--- a/docs/M306-AP15a-Peters-Pra-171030-Projekt Präsentation.pptx
+++ b/docs/M306-AP15a-Peters-Pra-171030-Projekt Präsentation.pptx
@@ -6,12 +6,14 @@
   </p:sldMasterIdLst>
   <p:sldIdLst>
     <p:sldId id="256" r:id="rId2"/>
-    <p:sldId id="257" r:id="rId3"/>
-    <p:sldId id="260" r:id="rId4"/>
-    <p:sldId id="259" r:id="rId5"/>
-    <p:sldId id="258" r:id="rId6"/>
-    <p:sldId id="261" r:id="rId7"/>
-    <p:sldId id="262" r:id="rId8"/>
+    <p:sldId id="263" r:id="rId3"/>
+    <p:sldId id="257" r:id="rId4"/>
+    <p:sldId id="260" r:id="rId5"/>
+    <p:sldId id="259" r:id="rId6"/>
+    <p:sldId id="264" r:id="rId7"/>
+    <p:sldId id="258" r:id="rId8"/>
+    <p:sldId id="261" r:id="rId9"/>
+    <p:sldId id="262" r:id="rId10"/>
   </p:sldIdLst>
   <p:sldSz cx="12192000" cy="6858000"/>
   <p:notesSz cx="6858000" cy="9144000"/>
@@ -5847,7 +5849,7 @@
           <a:p>
             <a:r>
               <a:rPr lang="de-CH" dirty="0" err="1"/>
-              <a:t>NoteMasters</a:t>
+              <a:t>QuickNote</a:t>
             </a:r>
             <a:endParaRPr lang="de-CH" dirty="0"/>
           </a:p>
@@ -5916,6 +5918,120 @@
           <p:cNvPr id="2" name="Titel 1">
             <a:extLst>
               <a:ext uri="{FF2B5EF4-FFF2-40B4-BE49-F238E27FC236}">
+                <a16:creationId xmlns:a16="http://schemas.microsoft.com/office/drawing/2014/main" id="{48D31D66-941E-452C-9CCA-9FB615289E44}"/>
+              </a:ext>
+            </a:extLst>
+          </p:cNvPr>
+          <p:cNvSpPr>
+            <a:spLocks noGrp="1"/>
+          </p:cNvSpPr>
+          <p:nvPr>
+            <p:ph type="title"/>
+          </p:nvPr>
+        </p:nvSpPr>
+        <p:spPr/>
+        <p:txBody>
+          <a:bodyPr/>
+          <a:lstStyle/>
+          <a:p>
+            <a:r>
+              <a:rPr lang="de-CH" dirty="0"/>
+              <a:t>Inhaltsverzeichnis</a:t>
+            </a:r>
+          </a:p>
+        </p:txBody>
+      </p:sp>
+      <p:sp>
+        <p:nvSpPr>
+          <p:cNvPr id="3" name="Inhaltsplatzhalter 2">
+            <a:extLst>
+              <a:ext uri="{FF2B5EF4-FFF2-40B4-BE49-F238E27FC236}">
+                <a16:creationId xmlns:a16="http://schemas.microsoft.com/office/drawing/2014/main" id="{DE54B87C-CE28-406B-A00C-14D3D24E6CB7}"/>
+              </a:ext>
+            </a:extLst>
+          </p:cNvPr>
+          <p:cNvSpPr>
+            <a:spLocks noGrp="1"/>
+          </p:cNvSpPr>
+          <p:nvPr>
+            <p:ph idx="1"/>
+          </p:nvPr>
+        </p:nvSpPr>
+        <p:spPr/>
+        <p:txBody>
+          <a:bodyPr/>
+          <a:lstStyle/>
+          <a:p>
+            <a:r>
+              <a:rPr lang="de-CH" dirty="0"/>
+              <a:t>Das Team</a:t>
+            </a:r>
+          </a:p>
+          <a:p>
+            <a:r>
+              <a:rPr lang="de-CH" dirty="0"/>
+              <a:t>Das Projekt</a:t>
+            </a:r>
+          </a:p>
+          <a:p>
+            <a:r>
+              <a:rPr lang="de-CH" dirty="0"/>
+              <a:t>Technologien</a:t>
+            </a:r>
+          </a:p>
+          <a:p>
+            <a:r>
+              <a:rPr lang="de-CH" dirty="0"/>
+              <a:t>Arbeitsablauf</a:t>
+            </a:r>
+          </a:p>
+          <a:p>
+            <a:r>
+              <a:rPr lang="de-CH"/>
+              <a:t>Das Produkt</a:t>
+            </a:r>
+            <a:endParaRPr lang="de-CH" dirty="0"/>
+          </a:p>
+          <a:p>
+            <a:endParaRPr lang="de-CH" dirty="0"/>
+          </a:p>
+        </p:txBody>
+      </p:sp>
+    </p:spTree>
+    <p:extLst>
+      <p:ext uri="{BB962C8B-B14F-4D97-AF65-F5344CB8AC3E}">
+        <p14:creationId xmlns:p14="http://schemas.microsoft.com/office/powerpoint/2010/main" val="2837977324"/>
+      </p:ext>
+    </p:extLst>
+  </p:cSld>
+  <p:clrMapOvr>
+    <a:masterClrMapping/>
+  </p:clrMapOvr>
+</p:sld>
+</file>
+
+<file path=ppt/slides/slide3.xml><?xml version="1.0" encoding="utf-8"?>
+<p:sld xmlns:a="http://schemas.openxmlformats.org/drawingml/2006/main" xmlns:r="http://schemas.openxmlformats.org/officeDocument/2006/relationships" xmlns:p="http://schemas.openxmlformats.org/presentationml/2006/main">
+  <p:cSld>
+    <p:spTree>
+      <p:nvGrpSpPr>
+        <p:cNvPr id="1" name=""/>
+        <p:cNvGrpSpPr/>
+        <p:nvPr/>
+      </p:nvGrpSpPr>
+      <p:grpSpPr>
+        <a:xfrm>
+          <a:off x="0" y="0"/>
+          <a:ext cx="0" cy="0"/>
+          <a:chOff x="0" y="0"/>
+          <a:chExt cx="0" cy="0"/>
+        </a:xfrm>
+      </p:grpSpPr>
+      <p:sp>
+        <p:nvSpPr>
+          <p:cNvPr id="2" name="Titel 1">
+            <a:extLst>
+              <a:ext uri="{FF2B5EF4-FFF2-40B4-BE49-F238E27FC236}">
                 <a16:creationId xmlns:a16="http://schemas.microsoft.com/office/drawing/2014/main" id="{E84202F6-32E4-43EA-87EA-E2A45CCC9DC1}"/>
               </a:ext>
             </a:extLst>
@@ -5929,13 +6045,27 @@
         </p:nvSpPr>
         <p:spPr/>
         <p:txBody>
-          <a:bodyPr/>
+          <a:bodyPr>
+            <a:normAutofit fontScale="90000"/>
+          </a:bodyPr>
           <a:lstStyle/>
           <a:p>
             <a:r>
               <a:rPr lang="de-CH" dirty="0"/>
               <a:t>Das Team</a:t>
             </a:r>
+            <a:br>
+              <a:rPr lang="de-CH" dirty="0"/>
+            </a:br>
+            <a:r>
+              <a:rPr lang="de-CH" dirty="0"/>
+              <a:t>The </a:t>
+            </a:r>
+            <a:r>
+              <a:rPr lang="de-CH" dirty="0" err="1"/>
+              <a:t>NoteMasters</a:t>
+            </a:r>
+            <a:endParaRPr lang="de-CH" dirty="0"/>
           </a:p>
         </p:txBody>
       </p:sp>
@@ -5984,113 +6114,6 @@
 </p:sld>
 </file>
 
-<file path=ppt/slides/slide3.xml><?xml version="1.0" encoding="utf-8"?>
-<p:sld xmlns:a="http://schemas.openxmlformats.org/drawingml/2006/main" xmlns:r="http://schemas.openxmlformats.org/officeDocument/2006/relationships" xmlns:p="http://schemas.openxmlformats.org/presentationml/2006/main">
-  <p:cSld>
-    <p:spTree>
-      <p:nvGrpSpPr>
-        <p:cNvPr id="1" name=""/>
-        <p:cNvGrpSpPr/>
-        <p:nvPr/>
-      </p:nvGrpSpPr>
-      <p:grpSpPr>
-        <a:xfrm>
-          <a:off x="0" y="0"/>
-          <a:ext cx="0" cy="0"/>
-          <a:chOff x="0" y="0"/>
-          <a:chExt cx="0" cy="0"/>
-        </a:xfrm>
-      </p:grpSpPr>
-      <p:sp>
-        <p:nvSpPr>
-          <p:cNvPr id="2" name="Titel 1">
-            <a:extLst>
-              <a:ext uri="{FF2B5EF4-FFF2-40B4-BE49-F238E27FC236}">
-                <a16:creationId xmlns:a16="http://schemas.microsoft.com/office/drawing/2014/main" id="{7440EAE5-5614-462A-B573-C47EB57C9FC1}"/>
-              </a:ext>
-            </a:extLst>
-          </p:cNvPr>
-          <p:cNvSpPr>
-            <a:spLocks noGrp="1"/>
-          </p:cNvSpPr>
-          <p:nvPr>
-            <p:ph type="title"/>
-          </p:nvPr>
-        </p:nvSpPr>
-        <p:spPr/>
-        <p:txBody>
-          <a:bodyPr/>
-          <a:lstStyle/>
-          <a:p>
-            <a:r>
-              <a:rPr lang="de-CH" dirty="0"/>
-              <a:t>Das Projekt</a:t>
-            </a:r>
-          </a:p>
-        </p:txBody>
-      </p:sp>
-      <p:sp>
-        <p:nvSpPr>
-          <p:cNvPr id="3" name="Inhaltsplatzhalter 2">
-            <a:extLst>
-              <a:ext uri="{FF2B5EF4-FFF2-40B4-BE49-F238E27FC236}">
-                <a16:creationId xmlns:a16="http://schemas.microsoft.com/office/drawing/2014/main" id="{B1DB3C1E-8BBA-40AA-A35D-00E99122BB7E}"/>
-              </a:ext>
-            </a:extLst>
-          </p:cNvPr>
-          <p:cNvSpPr>
-            <a:spLocks noGrp="1"/>
-          </p:cNvSpPr>
-          <p:nvPr>
-            <p:ph idx="1"/>
-          </p:nvPr>
-        </p:nvSpPr>
-        <p:spPr/>
-        <p:txBody>
-          <a:bodyPr/>
-          <a:lstStyle/>
-          <a:p>
-            <a:r>
-              <a:rPr lang="de-CH" dirty="0"/>
-              <a:t>Notizentool</a:t>
-            </a:r>
-          </a:p>
-          <a:p>
-            <a:pPr lvl="1"/>
-            <a:r>
-              <a:rPr lang="de-CH" dirty="0"/>
-              <a:t>Erstellen von Notizen</a:t>
-            </a:r>
-          </a:p>
-          <a:p>
-            <a:pPr lvl="1"/>
-            <a:r>
-              <a:rPr lang="de-CH" dirty="0"/>
-              <a:t>Nutzer sollen sich registrieren können</a:t>
-            </a:r>
-          </a:p>
-          <a:p>
-            <a:pPr lvl="1"/>
-            <a:r>
-              <a:rPr lang="de-CH" dirty="0"/>
-              <a:t>Notizen sollen in Datenbank gespeichert werden.</a:t>
-            </a:r>
-          </a:p>
-        </p:txBody>
-      </p:sp>
-    </p:spTree>
-    <p:extLst>
-      <p:ext uri="{BB962C8B-B14F-4D97-AF65-F5344CB8AC3E}">
-        <p14:creationId xmlns:p14="http://schemas.microsoft.com/office/powerpoint/2010/main" val="1906869026"/>
-      </p:ext>
-    </p:extLst>
-  </p:cSld>
-  <p:clrMapOvr>
-    <a:masterClrMapping/>
-  </p:clrMapOvr>
-</p:sld>
-</file>
-
 <file path=ppt/slides/slide4.xml><?xml version="1.0" encoding="utf-8"?>
 <p:sld xmlns:a="http://schemas.openxmlformats.org/drawingml/2006/main" xmlns:r="http://schemas.openxmlformats.org/officeDocument/2006/relationships" xmlns:p="http://schemas.openxmlformats.org/presentationml/2006/main">
   <p:cSld>
@@ -6113,6 +6136,136 @@
           <p:cNvPr id="2" name="Titel 1">
             <a:extLst>
               <a:ext uri="{FF2B5EF4-FFF2-40B4-BE49-F238E27FC236}">
+                <a16:creationId xmlns:a16="http://schemas.microsoft.com/office/drawing/2014/main" id="{7440EAE5-5614-462A-B573-C47EB57C9FC1}"/>
+              </a:ext>
+            </a:extLst>
+          </p:cNvPr>
+          <p:cNvSpPr>
+            <a:spLocks noGrp="1"/>
+          </p:cNvSpPr>
+          <p:nvPr>
+            <p:ph type="title"/>
+          </p:nvPr>
+        </p:nvSpPr>
+        <p:spPr/>
+        <p:txBody>
+          <a:bodyPr/>
+          <a:lstStyle/>
+          <a:p>
+            <a:r>
+              <a:rPr lang="de-CH" dirty="0"/>
+              <a:t>Das Projekt</a:t>
+            </a:r>
+          </a:p>
+        </p:txBody>
+      </p:sp>
+      <p:sp>
+        <p:nvSpPr>
+          <p:cNvPr id="3" name="Inhaltsplatzhalter 2">
+            <a:extLst>
+              <a:ext uri="{FF2B5EF4-FFF2-40B4-BE49-F238E27FC236}">
+                <a16:creationId xmlns:a16="http://schemas.microsoft.com/office/drawing/2014/main" id="{B1DB3C1E-8BBA-40AA-A35D-00E99122BB7E}"/>
+              </a:ext>
+            </a:extLst>
+          </p:cNvPr>
+          <p:cNvSpPr>
+            <a:spLocks noGrp="1"/>
+          </p:cNvSpPr>
+          <p:nvPr>
+            <p:ph idx="1"/>
+          </p:nvPr>
+        </p:nvSpPr>
+        <p:spPr/>
+        <p:txBody>
+          <a:bodyPr/>
+          <a:lstStyle/>
+          <a:p>
+            <a:r>
+              <a:rPr lang="de-CH" dirty="0"/>
+              <a:t>Notizentool</a:t>
+            </a:r>
+          </a:p>
+          <a:p>
+            <a:pPr lvl="1"/>
+            <a:r>
+              <a:rPr lang="de-CH" dirty="0"/>
+              <a:t>Erstellen von Notizen</a:t>
+            </a:r>
+          </a:p>
+          <a:p>
+            <a:pPr lvl="1"/>
+            <a:r>
+              <a:rPr lang="de-CH" dirty="0"/>
+              <a:t>Nutzer sollen sich registrieren können</a:t>
+            </a:r>
+          </a:p>
+          <a:p>
+            <a:pPr lvl="1"/>
+            <a:r>
+              <a:rPr lang="de-CH" dirty="0"/>
+              <a:t>Notizen sollen in Datenbank gespeichert werden</a:t>
+            </a:r>
+          </a:p>
+          <a:p>
+            <a:pPr lvl="1"/>
+            <a:r>
+              <a:rPr lang="de-CH" dirty="0"/>
+              <a:t>Notizen Können mittels </a:t>
+            </a:r>
+            <a:r>
+              <a:rPr lang="de-CH" dirty="0" err="1"/>
+              <a:t>drag</a:t>
+            </a:r>
+            <a:r>
+              <a:rPr lang="de-CH" dirty="0"/>
+              <a:t> and </a:t>
+            </a:r>
+            <a:r>
+              <a:rPr lang="de-CH" dirty="0" err="1"/>
+              <a:t>drop</a:t>
+            </a:r>
+            <a:r>
+              <a:rPr lang="de-CH" dirty="0"/>
+              <a:t> organisiert werden</a:t>
+            </a:r>
+          </a:p>
+        </p:txBody>
+      </p:sp>
+    </p:spTree>
+    <p:extLst>
+      <p:ext uri="{BB962C8B-B14F-4D97-AF65-F5344CB8AC3E}">
+        <p14:creationId xmlns:p14="http://schemas.microsoft.com/office/powerpoint/2010/main" val="1906869026"/>
+      </p:ext>
+    </p:extLst>
+  </p:cSld>
+  <p:clrMapOvr>
+    <a:masterClrMapping/>
+  </p:clrMapOvr>
+</p:sld>
+</file>
+
+<file path=ppt/slides/slide5.xml><?xml version="1.0" encoding="utf-8"?>
+<p:sld xmlns:a="http://schemas.openxmlformats.org/drawingml/2006/main" xmlns:r="http://schemas.openxmlformats.org/officeDocument/2006/relationships" xmlns:p="http://schemas.openxmlformats.org/presentationml/2006/main">
+  <p:cSld>
+    <p:spTree>
+      <p:nvGrpSpPr>
+        <p:cNvPr id="1" name=""/>
+        <p:cNvGrpSpPr/>
+        <p:nvPr/>
+      </p:nvGrpSpPr>
+      <p:grpSpPr>
+        <a:xfrm>
+          <a:off x="0" y="0"/>
+          <a:ext cx="0" cy="0"/>
+          <a:chOff x="0" y="0"/>
+          <a:chExt cx="0" cy="0"/>
+        </a:xfrm>
+      </p:grpSpPr>
+      <p:sp>
+        <p:nvSpPr>
+          <p:cNvPr id="2" name="Titel 1">
+            <a:extLst>
+              <a:ext uri="{FF2B5EF4-FFF2-40B4-BE49-F238E27FC236}">
                 <a16:creationId xmlns:a16="http://schemas.microsoft.com/office/drawing/2014/main" id="{EBFCFBAB-688F-49B1-9F1D-8478F193AD7E}"/>
               </a:ext>
             </a:extLst>
@@ -6246,7 +6399,97 @@
 </p:sld>
 </file>
 
-<file path=ppt/slides/slide5.xml><?xml version="1.0" encoding="utf-8"?>
+<file path=ppt/slides/slide6.xml><?xml version="1.0" encoding="utf-8"?>
+<p:sld xmlns:a="http://schemas.openxmlformats.org/drawingml/2006/main" xmlns:r="http://schemas.openxmlformats.org/officeDocument/2006/relationships" xmlns:p="http://schemas.openxmlformats.org/presentationml/2006/main">
+  <p:cSld>
+    <p:spTree>
+      <p:nvGrpSpPr>
+        <p:cNvPr id="1" name=""/>
+        <p:cNvGrpSpPr/>
+        <p:nvPr/>
+      </p:nvGrpSpPr>
+      <p:grpSpPr>
+        <a:xfrm>
+          <a:off x="0" y="0"/>
+          <a:ext cx="0" cy="0"/>
+          <a:chOff x="0" y="0"/>
+          <a:chExt cx="0" cy="0"/>
+        </a:xfrm>
+      </p:grpSpPr>
+      <p:sp>
+        <p:nvSpPr>
+          <p:cNvPr id="2" name="Titel 1">
+            <a:extLst>
+              <a:ext uri="{FF2B5EF4-FFF2-40B4-BE49-F238E27FC236}">
+                <a16:creationId xmlns:a16="http://schemas.microsoft.com/office/drawing/2014/main" id="{781248BB-A0CB-4900-A42E-66B0B33A7E43}"/>
+              </a:ext>
+            </a:extLst>
+          </p:cNvPr>
+          <p:cNvSpPr>
+            <a:spLocks noGrp="1"/>
+          </p:cNvSpPr>
+          <p:nvPr>
+            <p:ph type="title"/>
+          </p:nvPr>
+        </p:nvSpPr>
+        <p:spPr/>
+        <p:txBody>
+          <a:bodyPr/>
+          <a:lstStyle/>
+          <a:p>
+            <a:r>
+              <a:rPr lang="de-CH" dirty="0"/>
+              <a:t>Projektmanagement</a:t>
+            </a:r>
+          </a:p>
+        </p:txBody>
+      </p:sp>
+      <p:pic>
+        <p:nvPicPr>
+          <p:cNvPr id="4" name="Inhaltsplatzhalter 3">
+            <a:extLst>
+              <a:ext uri="{FF2B5EF4-FFF2-40B4-BE49-F238E27FC236}">
+                <a16:creationId xmlns:a16="http://schemas.microsoft.com/office/drawing/2014/main" id="{24274221-D424-43CB-BA45-3252DD79C88B}"/>
+              </a:ext>
+            </a:extLst>
+          </p:cNvPr>
+          <p:cNvPicPr>
+            <a:picLocks noGrp="1" noChangeAspect="1"/>
+          </p:cNvPicPr>
+          <p:nvPr>
+            <p:ph idx="1"/>
+          </p:nvPr>
+        </p:nvPicPr>
+        <p:blipFill>
+          <a:blip r:embed="rId2"/>
+          <a:stretch>
+            <a:fillRect/>
+          </a:stretch>
+        </p:blipFill>
+        <p:spPr>
+          <a:xfrm>
+            <a:off x="3176091" y="2557463"/>
+            <a:ext cx="5839817" cy="3317875"/>
+          </a:xfrm>
+          <a:prstGeom prst="rect">
+            <a:avLst/>
+          </a:prstGeom>
+        </p:spPr>
+      </p:pic>
+    </p:spTree>
+    <p:extLst>
+      <p:ext uri="{BB962C8B-B14F-4D97-AF65-F5344CB8AC3E}">
+        <p14:creationId xmlns:p14="http://schemas.microsoft.com/office/powerpoint/2010/main" val="410155467"/>
+      </p:ext>
+    </p:extLst>
+  </p:cSld>
+  <p:clrMapOvr>
+    <a:masterClrMapping/>
+  </p:clrMapOvr>
+</p:sld>
+</file>
+
+<file path=ppt/slides/slide7.xml><?xml version="1.0" encoding="utf-8"?>
 <p:sld xmlns:a="http://schemas.openxmlformats.org/drawingml/2006/main" xmlns:r="http://schemas.openxmlformats.org/officeDocument/2006/relationships" xmlns:p="http://schemas.openxmlformats.org/presentationml/2006/main">
   <p:cSld>
     <p:spTree>
@@ -6336,7 +6579,7 @@
 </p:sld>
 </file>
 
-<file path=ppt/slides/slide6.xml><?xml version="1.0" encoding="utf-8"?>
+<file path=ppt/slides/slide8.xml><?xml version="1.0" encoding="utf-8"?>
 <p:sld xmlns:a="http://schemas.openxmlformats.org/drawingml/2006/main" xmlns:r="http://schemas.openxmlformats.org/officeDocument/2006/relationships" xmlns:p="http://schemas.openxmlformats.org/presentationml/2006/main">
   <p:cSld>
     <p:spTree>
@@ -6371,12 +6614,14 @@
         </p:nvSpPr>
         <p:spPr/>
         <p:txBody>
-          <a:bodyPr/>
+          <a:bodyPr>
+            <a:normAutofit/>
+          </a:bodyPr>
           <a:lstStyle/>
           <a:p>
             <a:r>
               <a:rPr lang="de-CH" dirty="0"/>
-              <a:t>Das Tool</a:t>
+              <a:t>Das Produkt</a:t>
             </a:r>
           </a:p>
         </p:txBody>
@@ -6426,7 +6671,7 @@
 </p:sld>
 </file>
 
-<file path=ppt/slides/slide7.xml><?xml version="1.0" encoding="utf-8"?>
+<file path=ppt/slides/slide9.xml><?xml version="1.0" encoding="utf-8"?>
 <p:sld xmlns:a="http://schemas.openxmlformats.org/drawingml/2006/main" xmlns:r="http://schemas.openxmlformats.org/officeDocument/2006/relationships" xmlns:p="http://schemas.openxmlformats.org/presentationml/2006/main">
   <p:cSld>
     <p:spTree>
@@ -6466,7 +6711,7 @@
           <a:p>
             <a:r>
               <a:rPr lang="de-CH" dirty="0"/>
-              <a:t>Das Tool</a:t>
+              <a:t>Das Produkt</a:t>
             </a:r>
           </a:p>
         </p:txBody>

--- a/docs/M306-AP15a-Peters-Pra-171030-Projekt Präsentation.pptx
+++ b/docs/M306-AP15a-Peters-Pra-171030-Projekt Präsentation.pptx
@@ -9,11 +9,16 @@
     <p:sldId id="263" r:id="rId3"/>
     <p:sldId id="257" r:id="rId4"/>
     <p:sldId id="260" r:id="rId5"/>
-    <p:sldId id="259" r:id="rId6"/>
-    <p:sldId id="264" r:id="rId7"/>
-    <p:sldId id="258" r:id="rId8"/>
-    <p:sldId id="261" r:id="rId9"/>
-    <p:sldId id="262" r:id="rId10"/>
+    <p:sldId id="265" r:id="rId6"/>
+    <p:sldId id="267" r:id="rId7"/>
+    <p:sldId id="259" r:id="rId8"/>
+    <p:sldId id="266" r:id="rId9"/>
+    <p:sldId id="264" r:id="rId10"/>
+    <p:sldId id="269" r:id="rId11"/>
+    <p:sldId id="258" r:id="rId12"/>
+    <p:sldId id="261" r:id="rId13"/>
+    <p:sldId id="262" r:id="rId14"/>
+    <p:sldId id="268" r:id="rId15"/>
   </p:sldIdLst>
   <p:sldSz cx="12192000" cy="6858000"/>
   <p:notesSz cx="6858000" cy="9144000"/>
@@ -456,7 +461,7 @@
             <a:fld id="{B61BEF0D-F0BB-DE4B-95CE-6DB70DBA9567}" type="datetimeFigureOut">
               <a:rPr lang="en-US" dirty="0"/>
               <a:pPr/>
-              <a:t>2017-10-30</a:t>
+              <a:t>2017-11-06</a:t>
             </a:fld>
             <a:endParaRPr lang="en-US" dirty="0"/>
           </a:p>
@@ -777,7 +782,7 @@
             <a:fld id="{B61BEF0D-F0BB-DE4B-95CE-6DB70DBA9567}" type="datetimeFigureOut">
               <a:rPr lang="en-US" dirty="0"/>
               <a:pPr/>
-              <a:t>2017-10-30</a:t>
+              <a:t>2017-11-06</a:t>
             </a:fld>
             <a:endParaRPr lang="en-US" dirty="0"/>
           </a:p>
@@ -1022,7 +1027,7 @@
             <a:fld id="{B61BEF0D-F0BB-DE4B-95CE-6DB70DBA9567}" type="datetimeFigureOut">
               <a:rPr lang="en-US" dirty="0"/>
               <a:pPr/>
-              <a:t>2017-10-30</a:t>
+              <a:t>2017-11-06</a:t>
             </a:fld>
             <a:endParaRPr lang="en-US" dirty="0"/>
           </a:p>
@@ -1358,7 +1363,7 @@
             <a:fld id="{B61BEF0D-F0BB-DE4B-95CE-6DB70DBA9567}" type="datetimeFigureOut">
               <a:rPr lang="en-US" dirty="0"/>
               <a:pPr/>
-              <a:t>2017-10-30</a:t>
+              <a:t>2017-11-06</a:t>
             </a:fld>
             <a:endParaRPr lang="en-US" dirty="0"/>
           </a:p>
@@ -1702,7 +1707,7 @@
             <a:fld id="{B61BEF0D-F0BB-DE4B-95CE-6DB70DBA9567}" type="datetimeFigureOut">
               <a:rPr lang="en-US" dirty="0"/>
               <a:pPr/>
-              <a:t>2017-10-30</a:t>
+              <a:t>2017-11-06</a:t>
             </a:fld>
             <a:endParaRPr lang="en-US" dirty="0"/>
           </a:p>
@@ -2073,7 +2078,7 @@
             <a:fld id="{B61BEF0D-F0BB-DE4B-95CE-6DB70DBA9567}" type="datetimeFigureOut">
               <a:rPr lang="en-US" dirty="0"/>
               <a:pPr/>
-              <a:t>2017-10-30</a:t>
+              <a:t>2017-11-06</a:t>
             </a:fld>
             <a:endParaRPr lang="en-US" dirty="0"/>
           </a:p>
@@ -2540,7 +2545,7 @@
             <a:fld id="{B61BEF0D-F0BB-DE4B-95CE-6DB70DBA9567}" type="datetimeFigureOut">
               <a:rPr lang="en-US" dirty="0"/>
               <a:pPr/>
-              <a:t>2017-10-30</a:t>
+              <a:t>2017-11-06</a:t>
             </a:fld>
             <a:endParaRPr lang="en-US" dirty="0"/>
           </a:p>
@@ -2742,7 +2747,7 @@
             <a:fld id="{B61BEF0D-F0BB-DE4B-95CE-6DB70DBA9567}" type="datetimeFigureOut">
               <a:rPr lang="en-US" dirty="0"/>
               <a:pPr/>
-              <a:t>2017-10-30</a:t>
+              <a:t>2017-11-06</a:t>
             </a:fld>
             <a:endParaRPr lang="en-US" dirty="0"/>
           </a:p>
@@ -2950,7 +2955,7 @@
             <a:fld id="{B61BEF0D-F0BB-DE4B-95CE-6DB70DBA9567}" type="datetimeFigureOut">
               <a:rPr lang="en-US" dirty="0"/>
               <a:pPr/>
-              <a:t>2017-10-30</a:t>
+              <a:t>2017-11-06</a:t>
             </a:fld>
             <a:endParaRPr lang="en-US" dirty="0"/>
           </a:p>
@@ -3178,7 +3183,7 @@
           <a:p>
             <a:fld id="{52647F38-B617-4D2F-AE0A-013F0C4D2C57}" type="datetimeFigureOut">
               <a:rPr lang="en-US" dirty="0"/>
-              <a:t>2017-10-30</a:t>
+              <a:t>2017-11-06</a:t>
             </a:fld>
             <a:endParaRPr lang="en-US" dirty="0"/>
           </a:p>
@@ -3422,7 +3427,7 @@
             <a:fld id="{B61BEF0D-F0BB-DE4B-95CE-6DB70DBA9567}" type="datetimeFigureOut">
               <a:rPr lang="en-US" dirty="0"/>
               <a:pPr/>
-              <a:t>2017-10-30</a:t>
+              <a:t>2017-11-06</a:t>
             </a:fld>
             <a:endParaRPr lang="en-US" dirty="0"/>
           </a:p>
@@ -3716,7 +3721,7 @@
           <a:p>
             <a:fld id="{05BFA754-D5C3-4E66-96A6-867B257F58DC}" type="datetimeFigureOut">
               <a:rPr lang="en-US" dirty="0"/>
-              <a:t>2017-10-30</a:t>
+              <a:t>2017-11-06</a:t>
             </a:fld>
             <a:endParaRPr lang="en-US" dirty="0"/>
           </a:p>
@@ -4106,7 +4111,7 @@
             <a:fld id="{B61BEF0D-F0BB-DE4B-95CE-6DB70DBA9567}" type="datetimeFigureOut">
               <a:rPr lang="en-US" dirty="0"/>
               <a:pPr/>
-              <a:t>2017-10-30</a:t>
+              <a:t>2017-11-06</a:t>
             </a:fld>
             <a:endParaRPr lang="en-US" dirty="0"/>
           </a:p>
@@ -4252,7 +4257,7 @@
             <a:fld id="{B61BEF0D-F0BB-DE4B-95CE-6DB70DBA9567}" type="datetimeFigureOut">
               <a:rPr lang="en-US" dirty="0"/>
               <a:pPr/>
-              <a:t>2017-10-30</a:t>
+              <a:t>2017-11-06</a:t>
             </a:fld>
             <a:endParaRPr lang="en-US" dirty="0"/>
           </a:p>
@@ -4375,7 +4380,7 @@
             <a:fld id="{B61BEF0D-F0BB-DE4B-95CE-6DB70DBA9567}" type="datetimeFigureOut">
               <a:rPr lang="en-US" dirty="0"/>
               <a:pPr/>
-              <a:t>2017-10-30</a:t>
+              <a:t>2017-11-06</a:t>
             </a:fld>
             <a:endParaRPr lang="en-US" dirty="0"/>
           </a:p>
@@ -4627,7 +4632,7 @@
             <a:fld id="{B61BEF0D-F0BB-DE4B-95CE-6DB70DBA9567}" type="datetimeFigureOut">
               <a:rPr lang="en-US" dirty="0"/>
               <a:pPr/>
-              <a:t>2017-10-30</a:t>
+              <a:t>2017-11-06</a:t>
             </a:fld>
             <a:endParaRPr lang="en-US" dirty="0"/>
           </a:p>
@@ -4939,7 +4944,7 @@
             <a:fld id="{B61BEF0D-F0BB-DE4B-95CE-6DB70DBA9567}" type="datetimeFigureOut">
               <a:rPr lang="en-US" dirty="0"/>
               <a:pPr/>
-              <a:t>2017-10-30</a:t>
+              <a:t>2017-11-06</a:t>
             </a:fld>
             <a:endParaRPr lang="en-US" dirty="0"/>
           </a:p>
@@ -5287,7 +5292,7 @@
             <a:fld id="{B61BEF0D-F0BB-DE4B-95CE-6DB70DBA9567}" type="datetimeFigureOut">
               <a:rPr lang="en-US" dirty="0"/>
               <a:pPr/>
-              <a:t>2017-10-30</a:t>
+              <a:t>2017-11-06</a:t>
             </a:fld>
             <a:endParaRPr lang="en-US" dirty="0"/>
           </a:p>
@@ -5896,6 +5901,509 @@
 </p:sld>
 </file>
 
+<file path=ppt/slides/slide10.xml><?xml version="1.0" encoding="utf-8"?>
+<p:sld xmlns:a="http://schemas.openxmlformats.org/drawingml/2006/main" xmlns:r="http://schemas.openxmlformats.org/officeDocument/2006/relationships" xmlns:p="http://schemas.openxmlformats.org/presentationml/2006/main">
+  <p:cSld>
+    <p:spTree>
+      <p:nvGrpSpPr>
+        <p:cNvPr id="1" name=""/>
+        <p:cNvGrpSpPr/>
+        <p:nvPr/>
+      </p:nvGrpSpPr>
+      <p:grpSpPr>
+        <a:xfrm>
+          <a:off x="0" y="0"/>
+          <a:ext cx="0" cy="0"/>
+          <a:chOff x="0" y="0"/>
+          <a:chExt cx="0" cy="0"/>
+        </a:xfrm>
+      </p:grpSpPr>
+      <p:sp>
+        <p:nvSpPr>
+          <p:cNvPr id="2" name="Titel 1">
+            <a:extLst>
+              <a:ext uri="{FF2B5EF4-FFF2-40B4-BE49-F238E27FC236}">
+                <a16:creationId xmlns:a16="http://schemas.microsoft.com/office/drawing/2014/main" id="{5DC54B13-C7A3-4842-9017-8698BCD9BFAA}"/>
+              </a:ext>
+            </a:extLst>
+          </p:cNvPr>
+          <p:cNvSpPr>
+            <a:spLocks noGrp="1"/>
+          </p:cNvSpPr>
+          <p:nvPr>
+            <p:ph type="title"/>
+          </p:nvPr>
+        </p:nvSpPr>
+        <p:spPr/>
+        <p:txBody>
+          <a:bodyPr/>
+          <a:lstStyle/>
+          <a:p>
+            <a:r>
+              <a:rPr lang="de-CH" dirty="0"/>
+              <a:t>Projektmanagement</a:t>
+            </a:r>
+          </a:p>
+        </p:txBody>
+      </p:sp>
+      <p:sp>
+        <p:nvSpPr>
+          <p:cNvPr id="3" name="Inhaltsplatzhalter 2">
+            <a:extLst>
+              <a:ext uri="{FF2B5EF4-FFF2-40B4-BE49-F238E27FC236}">
+                <a16:creationId xmlns:a16="http://schemas.microsoft.com/office/drawing/2014/main" id="{639E21CA-D4E5-4A46-ABFD-AF76E76949E7}"/>
+              </a:ext>
+            </a:extLst>
+          </p:cNvPr>
+          <p:cNvSpPr>
+            <a:spLocks noGrp="1"/>
+          </p:cNvSpPr>
+          <p:nvPr>
+            <p:ph idx="1"/>
+          </p:nvPr>
+        </p:nvSpPr>
+        <p:spPr/>
+        <p:txBody>
+          <a:bodyPr/>
+          <a:lstStyle/>
+          <a:p>
+            <a:r>
+              <a:rPr lang="de-CH" dirty="0"/>
+              <a:t>Methode: </a:t>
+            </a:r>
+            <a:r>
+              <a:rPr lang="de-CH" dirty="0" err="1"/>
+              <a:t>Scrum</a:t>
+            </a:r>
+            <a:endParaRPr lang="de-CH" dirty="0"/>
+          </a:p>
+          <a:p>
+            <a:r>
+              <a:rPr lang="de-CH" dirty="0"/>
+              <a:t>Tool: GitHub Projects</a:t>
+            </a:r>
+          </a:p>
+          <a:p>
+            <a:r>
+              <a:rPr lang="de-CH" dirty="0"/>
+              <a:t>Meilensteine: GitHub Milestones</a:t>
+            </a:r>
+          </a:p>
+          <a:p>
+            <a:r>
+              <a:rPr lang="de-CH" dirty="0"/>
+              <a:t>Tasks: GitHub </a:t>
+            </a:r>
+            <a:r>
+              <a:rPr lang="de-CH" dirty="0" err="1"/>
+              <a:t>Issues</a:t>
+            </a:r>
+            <a:endParaRPr lang="de-CH" dirty="0"/>
+          </a:p>
+        </p:txBody>
+      </p:sp>
+    </p:spTree>
+    <p:extLst>
+      <p:ext uri="{BB962C8B-B14F-4D97-AF65-F5344CB8AC3E}">
+        <p14:creationId xmlns:p14="http://schemas.microsoft.com/office/powerpoint/2010/main" val="807269041"/>
+      </p:ext>
+    </p:extLst>
+  </p:cSld>
+  <p:clrMapOvr>
+    <a:masterClrMapping/>
+  </p:clrMapOvr>
+</p:sld>
+</file>
+
+<file path=ppt/slides/slide11.xml><?xml version="1.0" encoding="utf-8"?>
+<p:sld xmlns:a="http://schemas.openxmlformats.org/drawingml/2006/main" xmlns:r="http://schemas.openxmlformats.org/officeDocument/2006/relationships" xmlns:p="http://schemas.openxmlformats.org/presentationml/2006/main">
+  <p:cSld>
+    <p:spTree>
+      <p:nvGrpSpPr>
+        <p:cNvPr id="1" name=""/>
+        <p:cNvGrpSpPr/>
+        <p:nvPr/>
+      </p:nvGrpSpPr>
+      <p:grpSpPr>
+        <a:xfrm>
+          <a:off x="0" y="0"/>
+          <a:ext cx="0" cy="0"/>
+          <a:chOff x="0" y="0"/>
+          <a:chExt cx="0" cy="0"/>
+        </a:xfrm>
+      </p:grpSpPr>
+      <p:sp>
+        <p:nvSpPr>
+          <p:cNvPr id="2" name="Titel 1">
+            <a:extLst>
+              <a:ext uri="{FF2B5EF4-FFF2-40B4-BE49-F238E27FC236}">
+                <a16:creationId xmlns:a16="http://schemas.microsoft.com/office/drawing/2014/main" id="{0707A403-2E35-49CA-A8A9-A7450D547B96}"/>
+              </a:ext>
+            </a:extLst>
+          </p:cNvPr>
+          <p:cNvSpPr>
+            <a:spLocks noGrp="1"/>
+          </p:cNvSpPr>
+          <p:nvPr>
+            <p:ph type="title"/>
+          </p:nvPr>
+        </p:nvSpPr>
+        <p:spPr/>
+        <p:txBody>
+          <a:bodyPr/>
+          <a:lstStyle/>
+          <a:p>
+            <a:r>
+              <a:rPr lang="de-CH" dirty="0"/>
+              <a:t>Arbeitsablauf</a:t>
+            </a:r>
+          </a:p>
+        </p:txBody>
+      </p:sp>
+      <p:pic>
+        <p:nvPicPr>
+          <p:cNvPr id="4" name="Inhaltsplatzhalter 3">
+            <a:extLst>
+              <a:ext uri="{FF2B5EF4-FFF2-40B4-BE49-F238E27FC236}">
+                <a16:creationId xmlns:a16="http://schemas.microsoft.com/office/drawing/2014/main" id="{CA87F495-CADF-4262-8C5B-B4B38C9A5C87}"/>
+              </a:ext>
+            </a:extLst>
+          </p:cNvPr>
+          <p:cNvPicPr>
+            <a:picLocks noGrp="1" noChangeAspect="1"/>
+          </p:cNvPicPr>
+          <p:nvPr>
+            <p:ph idx="1"/>
+          </p:nvPr>
+        </p:nvPicPr>
+        <p:blipFill>
+          <a:blip r:embed="rId2"/>
+          <a:stretch>
+            <a:fillRect/>
+          </a:stretch>
+        </p:blipFill>
+        <p:spPr>
+          <a:xfrm>
+            <a:off x="3461038" y="2557463"/>
+            <a:ext cx="5269924" cy="3317875"/>
+          </a:xfrm>
+          <a:prstGeom prst="rect">
+            <a:avLst/>
+          </a:prstGeom>
+        </p:spPr>
+      </p:pic>
+    </p:spTree>
+    <p:extLst>
+      <p:ext uri="{BB962C8B-B14F-4D97-AF65-F5344CB8AC3E}">
+        <p14:creationId xmlns:p14="http://schemas.microsoft.com/office/powerpoint/2010/main" val="782856305"/>
+      </p:ext>
+    </p:extLst>
+  </p:cSld>
+  <p:clrMapOvr>
+    <a:masterClrMapping/>
+  </p:clrMapOvr>
+</p:sld>
+</file>
+
+<file path=ppt/slides/slide12.xml><?xml version="1.0" encoding="utf-8"?>
+<p:sld xmlns:a="http://schemas.openxmlformats.org/drawingml/2006/main" xmlns:r="http://schemas.openxmlformats.org/officeDocument/2006/relationships" xmlns:p="http://schemas.openxmlformats.org/presentationml/2006/main">
+  <p:cSld>
+    <p:spTree>
+      <p:nvGrpSpPr>
+        <p:cNvPr id="1" name=""/>
+        <p:cNvGrpSpPr/>
+        <p:nvPr/>
+      </p:nvGrpSpPr>
+      <p:grpSpPr>
+        <a:xfrm>
+          <a:off x="0" y="0"/>
+          <a:ext cx="0" cy="0"/>
+          <a:chOff x="0" y="0"/>
+          <a:chExt cx="0" cy="0"/>
+        </a:xfrm>
+      </p:grpSpPr>
+      <p:sp>
+        <p:nvSpPr>
+          <p:cNvPr id="2" name="Titel 1">
+            <a:extLst>
+              <a:ext uri="{FF2B5EF4-FFF2-40B4-BE49-F238E27FC236}">
+                <a16:creationId xmlns:a16="http://schemas.microsoft.com/office/drawing/2014/main" id="{9BFA9797-CF89-41A5-925A-BDA8D4B41CD3}"/>
+              </a:ext>
+            </a:extLst>
+          </p:cNvPr>
+          <p:cNvSpPr>
+            <a:spLocks noGrp="1"/>
+          </p:cNvSpPr>
+          <p:nvPr>
+            <p:ph type="title"/>
+          </p:nvPr>
+        </p:nvSpPr>
+        <p:spPr/>
+        <p:txBody>
+          <a:bodyPr>
+            <a:normAutofit/>
+          </a:bodyPr>
+          <a:lstStyle/>
+          <a:p>
+            <a:r>
+              <a:rPr lang="de-CH" dirty="0"/>
+              <a:t>Das Produkt</a:t>
+            </a:r>
+          </a:p>
+        </p:txBody>
+      </p:sp>
+      <p:pic>
+        <p:nvPicPr>
+          <p:cNvPr id="4" name="Inhaltsplatzhalter 3">
+            <a:extLst>
+              <a:ext uri="{FF2B5EF4-FFF2-40B4-BE49-F238E27FC236}">
+                <a16:creationId xmlns:a16="http://schemas.microsoft.com/office/drawing/2014/main" id="{7F62DB41-E251-40E0-8A74-B2773BD6E977}"/>
+              </a:ext>
+            </a:extLst>
+          </p:cNvPr>
+          <p:cNvPicPr>
+            <a:picLocks noGrp="1" noChangeAspect="1"/>
+          </p:cNvPicPr>
+          <p:nvPr>
+            <p:ph idx="1"/>
+          </p:nvPr>
+        </p:nvPicPr>
+        <p:blipFill>
+          <a:blip r:embed="rId2"/>
+          <a:stretch>
+            <a:fillRect/>
+          </a:stretch>
+        </p:blipFill>
+        <p:spPr>
+          <a:xfrm>
+            <a:off x="2951624" y="2557463"/>
+            <a:ext cx="6288751" cy="3317875"/>
+          </a:xfrm>
+          <a:prstGeom prst="rect">
+            <a:avLst/>
+          </a:prstGeom>
+        </p:spPr>
+      </p:pic>
+    </p:spTree>
+    <p:extLst>
+      <p:ext uri="{BB962C8B-B14F-4D97-AF65-F5344CB8AC3E}">
+        <p14:creationId xmlns:p14="http://schemas.microsoft.com/office/powerpoint/2010/main" val="2877821587"/>
+      </p:ext>
+    </p:extLst>
+  </p:cSld>
+  <p:clrMapOvr>
+    <a:masterClrMapping/>
+  </p:clrMapOvr>
+</p:sld>
+</file>
+
+<file path=ppt/slides/slide13.xml><?xml version="1.0" encoding="utf-8"?>
+<p:sld xmlns:a="http://schemas.openxmlformats.org/drawingml/2006/main" xmlns:r="http://schemas.openxmlformats.org/officeDocument/2006/relationships" xmlns:p="http://schemas.openxmlformats.org/presentationml/2006/main">
+  <p:cSld>
+    <p:spTree>
+      <p:nvGrpSpPr>
+        <p:cNvPr id="1" name=""/>
+        <p:cNvGrpSpPr/>
+        <p:nvPr/>
+      </p:nvGrpSpPr>
+      <p:grpSpPr>
+        <a:xfrm>
+          <a:off x="0" y="0"/>
+          <a:ext cx="0" cy="0"/>
+          <a:chOff x="0" y="0"/>
+          <a:chExt cx="0" cy="0"/>
+        </a:xfrm>
+      </p:grpSpPr>
+      <p:sp>
+        <p:nvSpPr>
+          <p:cNvPr id="2" name="Titel 1">
+            <a:extLst>
+              <a:ext uri="{FF2B5EF4-FFF2-40B4-BE49-F238E27FC236}">
+                <a16:creationId xmlns:a16="http://schemas.microsoft.com/office/drawing/2014/main" id="{9080B0E5-06F1-4111-818F-25C7B0FF7233}"/>
+              </a:ext>
+            </a:extLst>
+          </p:cNvPr>
+          <p:cNvSpPr>
+            <a:spLocks noGrp="1"/>
+          </p:cNvSpPr>
+          <p:nvPr>
+            <p:ph type="title"/>
+          </p:nvPr>
+        </p:nvSpPr>
+        <p:spPr/>
+        <p:txBody>
+          <a:bodyPr/>
+          <a:lstStyle/>
+          <a:p>
+            <a:r>
+              <a:rPr lang="de-CH" dirty="0"/>
+              <a:t>Das Produkt</a:t>
+            </a:r>
+          </a:p>
+        </p:txBody>
+      </p:sp>
+      <p:pic>
+        <p:nvPicPr>
+          <p:cNvPr id="4" name="Inhaltsplatzhalter 3">
+            <a:extLst>
+              <a:ext uri="{FF2B5EF4-FFF2-40B4-BE49-F238E27FC236}">
+                <a16:creationId xmlns:a16="http://schemas.microsoft.com/office/drawing/2014/main" id="{53744A8E-04FA-4EFF-821F-53FC2843D960}"/>
+              </a:ext>
+            </a:extLst>
+          </p:cNvPr>
+          <p:cNvPicPr>
+            <a:picLocks noGrp="1" noChangeAspect="1"/>
+          </p:cNvPicPr>
+          <p:nvPr>
+            <p:ph idx="1"/>
+          </p:nvPr>
+        </p:nvPicPr>
+        <p:blipFill>
+          <a:blip r:embed="rId2"/>
+          <a:stretch>
+            <a:fillRect/>
+          </a:stretch>
+        </p:blipFill>
+        <p:spPr>
+          <a:xfrm>
+            <a:off x="3107189" y="2557463"/>
+            <a:ext cx="5977621" cy="3317875"/>
+          </a:xfrm>
+          <a:prstGeom prst="rect">
+            <a:avLst/>
+          </a:prstGeom>
+        </p:spPr>
+      </p:pic>
+    </p:spTree>
+    <p:extLst>
+      <p:ext uri="{BB962C8B-B14F-4D97-AF65-F5344CB8AC3E}">
+        <p14:creationId xmlns:p14="http://schemas.microsoft.com/office/powerpoint/2010/main" val="1470209193"/>
+      </p:ext>
+    </p:extLst>
+  </p:cSld>
+  <p:clrMapOvr>
+    <a:masterClrMapping/>
+  </p:clrMapOvr>
+</p:sld>
+</file>
+
+<file path=ppt/slides/slide14.xml><?xml version="1.0" encoding="utf-8"?>
+<p:sld xmlns:a="http://schemas.openxmlformats.org/drawingml/2006/main" xmlns:r="http://schemas.openxmlformats.org/officeDocument/2006/relationships" xmlns:p="http://schemas.openxmlformats.org/presentationml/2006/main">
+  <p:cSld>
+    <p:spTree>
+      <p:nvGrpSpPr>
+        <p:cNvPr id="1" name=""/>
+        <p:cNvGrpSpPr/>
+        <p:nvPr/>
+      </p:nvGrpSpPr>
+      <p:grpSpPr>
+        <a:xfrm>
+          <a:off x="0" y="0"/>
+          <a:ext cx="0" cy="0"/>
+          <a:chOff x="0" y="0"/>
+          <a:chExt cx="0" cy="0"/>
+        </a:xfrm>
+      </p:grpSpPr>
+      <p:sp>
+        <p:nvSpPr>
+          <p:cNvPr id="2" name="Titel 1">
+            <a:extLst>
+              <a:ext uri="{FF2B5EF4-FFF2-40B4-BE49-F238E27FC236}">
+                <a16:creationId xmlns:a16="http://schemas.microsoft.com/office/drawing/2014/main" id="{AA721991-09A4-44BE-9D8A-F10B04574CB6}"/>
+              </a:ext>
+            </a:extLst>
+          </p:cNvPr>
+          <p:cNvSpPr>
+            <a:spLocks noGrp="1"/>
+          </p:cNvSpPr>
+          <p:nvPr>
+            <p:ph type="title"/>
+          </p:nvPr>
+        </p:nvSpPr>
+        <p:spPr/>
+        <p:txBody>
+          <a:bodyPr/>
+          <a:lstStyle/>
+          <a:p>
+            <a:r>
+              <a:rPr lang="de-CH" dirty="0"/>
+              <a:t>Fazit</a:t>
+            </a:r>
+          </a:p>
+        </p:txBody>
+      </p:sp>
+      <p:sp>
+        <p:nvSpPr>
+          <p:cNvPr id="3" name="Inhaltsplatzhalter 2">
+            <a:extLst>
+              <a:ext uri="{FF2B5EF4-FFF2-40B4-BE49-F238E27FC236}">
+                <a16:creationId xmlns:a16="http://schemas.microsoft.com/office/drawing/2014/main" id="{5DAE0F10-86DE-45FE-BEC4-C00EB68C94FC}"/>
+              </a:ext>
+            </a:extLst>
+          </p:cNvPr>
+          <p:cNvSpPr>
+            <a:spLocks noGrp="1"/>
+          </p:cNvSpPr>
+          <p:nvPr>
+            <p:ph idx="1"/>
+          </p:nvPr>
+        </p:nvSpPr>
+        <p:spPr/>
+        <p:txBody>
+          <a:bodyPr/>
+          <a:lstStyle/>
+          <a:p>
+            <a:r>
+              <a:rPr lang="de-CH" dirty="0"/>
+              <a:t>Was war gut.</a:t>
+            </a:r>
+          </a:p>
+          <a:p>
+            <a:pPr lvl="1"/>
+            <a:r>
+              <a:rPr lang="de-CH" dirty="0"/>
+              <a:t>Wir lernen aus Fehlern</a:t>
+            </a:r>
+          </a:p>
+          <a:p>
+            <a:r>
+              <a:rPr lang="de-CH" dirty="0"/>
+              <a:t>Was ging weniger gut</a:t>
+            </a:r>
+          </a:p>
+          <a:p>
+            <a:pPr lvl="1"/>
+            <a:r>
+              <a:rPr lang="de-CH" dirty="0"/>
+              <a:t>Kommunikation mangelhaft</a:t>
+            </a:r>
+          </a:p>
+          <a:p>
+            <a:pPr lvl="1"/>
+            <a:r>
+              <a:rPr lang="de-CH" dirty="0"/>
+              <a:t>Meilensteine Konnten nicht immer eingehalten werden.</a:t>
+            </a:r>
+          </a:p>
+          <a:p>
+            <a:pPr lvl="1"/>
+            <a:endParaRPr lang="de-CH" dirty="0"/>
+          </a:p>
+        </p:txBody>
+      </p:sp>
+    </p:spTree>
+    <p:extLst>
+      <p:ext uri="{BB962C8B-B14F-4D97-AF65-F5344CB8AC3E}">
+        <p14:creationId xmlns:p14="http://schemas.microsoft.com/office/powerpoint/2010/main" val="540199055"/>
+      </p:ext>
+    </p:extLst>
+  </p:cSld>
+  <p:clrMapOvr>
+    <a:masterClrMapping/>
+  </p:clrMapOvr>
+</p:sld>
+</file>
+
 <file path=ppt/slides/slide2.xml><?xml version="1.0" encoding="utf-8"?>
 <p:sld xmlns:a="http://schemas.openxmlformats.org/drawingml/2006/main" xmlns:r="http://schemas.openxmlformats.org/officeDocument/2006/relationships" xmlns:p="http://schemas.openxmlformats.org/presentationml/2006/main">
   <p:cSld>
@@ -5959,7 +6467,9 @@
         </p:nvSpPr>
         <p:spPr/>
         <p:txBody>
-          <a:bodyPr/>
+          <a:bodyPr>
+            <a:normAutofit fontScale="92500" lnSpcReduction="10000"/>
+          </a:bodyPr>
           <a:lstStyle/>
           <a:p>
             <a:r>
@@ -5976,6 +6486,18 @@
           <a:p>
             <a:r>
               <a:rPr lang="de-CH" dirty="0"/>
+              <a:t>Risiken</a:t>
+            </a:r>
+          </a:p>
+          <a:p>
+            <a:r>
+              <a:rPr lang="de-CH" dirty="0"/>
+              <a:t>Aufgetretene Schwierigkeiten</a:t>
+            </a:r>
+          </a:p>
+          <a:p>
+            <a:r>
+              <a:rPr lang="de-CH" dirty="0"/>
               <a:t>Technologien</a:t>
             </a:r>
           </a:p>
@@ -5987,10 +6509,9 @@
           </a:p>
           <a:p>
             <a:r>
-              <a:rPr lang="de-CH"/>
+              <a:rPr lang="de-CH" dirty="0"/>
               <a:t>Das Produkt</a:t>
             </a:r>
-            <a:endParaRPr lang="de-CH" dirty="0"/>
           </a:p>
           <a:p>
             <a:endParaRPr lang="de-CH" dirty="0"/>
@@ -6266,7 +6787,7 @@
           <p:cNvPr id="2" name="Titel 1">
             <a:extLst>
               <a:ext uri="{FF2B5EF4-FFF2-40B4-BE49-F238E27FC236}">
-                <a16:creationId xmlns:a16="http://schemas.microsoft.com/office/drawing/2014/main" id="{EBFCFBAB-688F-49B1-9F1D-8478F193AD7E}"/>
+                <a16:creationId xmlns:a16="http://schemas.microsoft.com/office/drawing/2014/main" id="{259E0538-87F5-4346-9C1C-F2963A971389}"/>
               </a:ext>
             </a:extLst>
           </p:cNvPr>
@@ -6284,7 +6805,7 @@
           <a:p>
             <a:r>
               <a:rPr lang="de-CH" dirty="0"/>
-              <a:t>Technologien</a:t>
+              <a:t>Risiken</a:t>
             </a:r>
           </a:p>
         </p:txBody>
@@ -6294,7 +6815,7 @@
           <p:cNvPr id="3" name="Inhaltsplatzhalter 2">
             <a:extLst>
               <a:ext uri="{FF2B5EF4-FFF2-40B4-BE49-F238E27FC236}">
-                <a16:creationId xmlns:a16="http://schemas.microsoft.com/office/drawing/2014/main" id="{96FAC54D-EA1F-46D7-B9B7-DECABBBAE73E}"/>
+                <a16:creationId xmlns:a16="http://schemas.microsoft.com/office/drawing/2014/main" id="{02BCEB93-26E2-4FC1-81CC-F47F88947967}"/>
               </a:ext>
             </a:extLst>
           </p:cNvPr>
@@ -6307,81 +6828,35 @@
         </p:nvSpPr>
         <p:spPr/>
         <p:txBody>
-          <a:bodyPr>
-            <a:normAutofit fontScale="70000" lnSpcReduction="20000"/>
-          </a:bodyPr>
+          <a:bodyPr/>
           <a:lstStyle/>
           <a:p>
             <a:r>
               <a:rPr lang="de-CH" dirty="0"/>
-              <a:t>Projektmanagement</a:t>
-            </a:r>
-          </a:p>
-          <a:p>
-            <a:pPr lvl="1"/>
-            <a:r>
-              <a:rPr lang="de-CH"/>
-              <a:t>Github</a:t>
+              <a:t>Zeitmanagement</a:t>
+            </a:r>
+          </a:p>
+          <a:p>
+            <a:r>
+              <a:rPr lang="de-CH" dirty="0"/>
+              <a:t>Grosse Konkurrenz</a:t>
+            </a:r>
+          </a:p>
+          <a:p>
+            <a:r>
+              <a:rPr lang="de-CH" dirty="0"/>
+              <a:t>Fehlendes </a:t>
+            </a:r>
+            <a:r>
+              <a:rPr lang="de-CH" dirty="0" err="1"/>
+              <a:t>KnowHow</a:t>
             </a:r>
             <a:endParaRPr lang="de-CH" dirty="0"/>
           </a:p>
           <a:p>
             <a:r>
               <a:rPr lang="de-CH" dirty="0"/>
-              <a:t>Programmiersprachen</a:t>
-            </a:r>
-          </a:p>
-          <a:p>
-            <a:pPr lvl="1"/>
-            <a:r>
-              <a:rPr lang="de-CH" dirty="0"/>
-              <a:t>JavaScript</a:t>
-            </a:r>
-          </a:p>
-          <a:p>
-            <a:pPr lvl="1"/>
-            <a:r>
-              <a:rPr lang="de-CH" dirty="0"/>
-              <a:t>PHP</a:t>
-            </a:r>
-          </a:p>
-          <a:p>
-            <a:r>
-              <a:rPr lang="de-CH" dirty="0"/>
-              <a:t>Frameworks &amp; </a:t>
-            </a:r>
-            <a:r>
-              <a:rPr lang="de-CH" dirty="0" err="1"/>
-              <a:t>libraries</a:t>
-            </a:r>
-            <a:endParaRPr lang="de-CH" dirty="0"/>
-          </a:p>
-          <a:p>
-            <a:pPr lvl="1"/>
-            <a:r>
-              <a:rPr lang="de-CH" dirty="0" err="1"/>
-              <a:t>Jquery</a:t>
-            </a:r>
-            <a:endParaRPr lang="de-CH" dirty="0"/>
-          </a:p>
-          <a:p>
-            <a:pPr lvl="1"/>
-            <a:r>
-              <a:rPr lang="de-CH" dirty="0"/>
-              <a:t>Bootstrap</a:t>
-            </a:r>
-          </a:p>
-          <a:p>
-            <a:r>
-              <a:rPr lang="de-CH" dirty="0"/>
-              <a:t>Datenbank</a:t>
-            </a:r>
-          </a:p>
-          <a:p>
-            <a:pPr lvl="1"/>
-            <a:r>
-              <a:rPr lang="de-CH" dirty="0"/>
-              <a:t>MySQL</a:t>
+              <a:t>Mangelhafte Kommunikation</a:t>
             </a:r>
           </a:p>
         </p:txBody>
@@ -6389,7 +6864,7 @@
     </p:spTree>
     <p:extLst>
       <p:ext uri="{BB962C8B-B14F-4D97-AF65-F5344CB8AC3E}">
-        <p14:creationId xmlns:p14="http://schemas.microsoft.com/office/powerpoint/2010/main" val="3243503672"/>
+        <p14:creationId xmlns:p14="http://schemas.microsoft.com/office/powerpoint/2010/main" val="1359729952"/>
       </p:ext>
     </p:extLst>
   </p:cSld>
@@ -6421,7 +6896,7 @@
           <p:cNvPr id="2" name="Titel 1">
             <a:extLst>
               <a:ext uri="{FF2B5EF4-FFF2-40B4-BE49-F238E27FC236}">
-                <a16:creationId xmlns:a16="http://schemas.microsoft.com/office/drawing/2014/main" id="{781248BB-A0CB-4900-A42E-66B0B33A7E43}"/>
+                <a16:creationId xmlns:a16="http://schemas.microsoft.com/office/drawing/2014/main" id="{2A5542FE-165D-4931-A12A-28D72F131678}"/>
               </a:ext>
             </a:extLst>
           </p:cNvPr>
@@ -6439,47 +6914,104 @@
           <a:p>
             <a:r>
               <a:rPr lang="de-CH" dirty="0"/>
-              <a:t>Projektmanagement</a:t>
-            </a:r>
+              <a:t>Aufgetretene Schwierigkeiten</a:t>
+            </a:r>
+          </a:p>
+        </p:txBody>
+      </p:sp>
+      <p:sp>
+        <p:nvSpPr>
+          <p:cNvPr id="3" name="Inhaltsplatzhalter 2">
+            <a:extLst>
+              <a:ext uri="{FF2B5EF4-FFF2-40B4-BE49-F238E27FC236}">
+                <a16:creationId xmlns:a16="http://schemas.microsoft.com/office/drawing/2014/main" id="{6441397B-E0DE-4036-A30A-5C5E8422E21D}"/>
+              </a:ext>
+            </a:extLst>
+          </p:cNvPr>
+          <p:cNvSpPr>
+            <a:spLocks noGrp="1"/>
+          </p:cNvSpPr>
+          <p:nvPr>
+            <p:ph idx="1"/>
+          </p:nvPr>
+        </p:nvSpPr>
+        <p:spPr>
+          <a:xfrm>
+            <a:off x="1295401" y="2556932"/>
+            <a:ext cx="9601196" cy="3318936"/>
+          </a:xfrm>
+        </p:spPr>
+        <p:txBody>
+          <a:bodyPr/>
+          <a:lstStyle/>
+          <a:p>
+            <a:r>
+              <a:rPr lang="de-CH" dirty="0"/>
+              <a:t>Kommunikation in Team mangelhaft = Arbeiten wurden nicht erledigt</a:t>
+            </a:r>
+          </a:p>
+          <a:p>
+            <a:r>
+              <a:rPr lang="de-CH" dirty="0"/>
+              <a:t>Ziele nicht ganz Realistisch = </a:t>
+            </a:r>
+          </a:p>
+          <a:p>
+            <a:endParaRPr lang="de-CH" dirty="0"/>
           </a:p>
         </p:txBody>
       </p:sp>
       <p:pic>
         <p:nvPicPr>
-          <p:cNvPr id="4" name="Inhaltsplatzhalter 3">
+          <p:cNvPr id="1028" name="Picture 4" descr="http://afrilandproperties.com/wp-content/uploads/2017/03/Communication-2.png">
             <a:extLst>
               <a:ext uri="{FF2B5EF4-FFF2-40B4-BE49-F238E27FC236}">
-                <a16:creationId xmlns:a16="http://schemas.microsoft.com/office/drawing/2014/main" id="{24274221-D424-43CB-BA45-3252DD79C88B}"/>
+                <a16:creationId xmlns:a16="http://schemas.microsoft.com/office/drawing/2014/main" id="{A24AB95F-499E-4E1E-8C65-71EE2218DED8}"/>
               </a:ext>
             </a:extLst>
           </p:cNvPr>
           <p:cNvPicPr>
-            <a:picLocks noGrp="1" noChangeAspect="1"/>
+            <a:picLocks noChangeAspect="1" noChangeArrowheads="1"/>
           </p:cNvPicPr>
-          <p:nvPr>
-            <p:ph idx="1"/>
-          </p:nvPr>
+          <p:nvPr/>
         </p:nvPicPr>
         <p:blipFill>
-          <a:blip r:embed="rId2"/>
+          <a:blip r:embed="rId2">
+            <a:extLst>
+              <a:ext uri="{28A0092B-C50C-407E-A947-70E740481C1C}">
+                <a14:useLocalDpi xmlns:a14="http://schemas.microsoft.com/office/drawing/2010/main" val="0"/>
+              </a:ext>
+            </a:extLst>
+          </a:blip>
+          <a:srcRect/>
           <a:stretch>
             <a:fillRect/>
           </a:stretch>
         </p:blipFill>
-        <p:spPr>
+        <p:spPr bwMode="auto">
           <a:xfrm>
-            <a:off x="3176091" y="2557463"/>
-            <a:ext cx="5839817" cy="3317875"/>
+            <a:off x="8398565" y="4077905"/>
+            <a:ext cx="2615786" cy="1797963"/>
           </a:xfrm>
           <a:prstGeom prst="rect">
             <a:avLst/>
           </a:prstGeom>
+          <a:noFill/>
+          <a:extLst>
+            <a:ext uri="{909E8E84-426E-40DD-AFC4-6F175D3DCCD1}">
+              <a14:hiddenFill xmlns:a14="http://schemas.microsoft.com/office/drawing/2010/main">
+                <a:solidFill>
+                  <a:srgbClr val="FFFFFF"/>
+                </a:solidFill>
+              </a14:hiddenFill>
+            </a:ext>
+          </a:extLst>
         </p:spPr>
       </p:pic>
     </p:spTree>
     <p:extLst>
       <p:ext uri="{BB962C8B-B14F-4D97-AF65-F5344CB8AC3E}">
-        <p14:creationId xmlns:p14="http://schemas.microsoft.com/office/powerpoint/2010/main" val="410155467"/>
+        <p14:creationId xmlns:p14="http://schemas.microsoft.com/office/powerpoint/2010/main" val="1663428802"/>
       </p:ext>
     </p:extLst>
   </p:cSld>
@@ -6511,7 +7043,7 @@
           <p:cNvPr id="2" name="Titel 1">
             <a:extLst>
               <a:ext uri="{FF2B5EF4-FFF2-40B4-BE49-F238E27FC236}">
-                <a16:creationId xmlns:a16="http://schemas.microsoft.com/office/drawing/2014/main" id="{0707A403-2E35-49CA-A8A9-A7450D547B96}"/>
+                <a16:creationId xmlns:a16="http://schemas.microsoft.com/office/drawing/2014/main" id="{EBFCFBAB-688F-49B1-9F1D-8478F193AD7E}"/>
               </a:ext>
             </a:extLst>
           </p:cNvPr>
@@ -6529,47 +7061,112 @@
           <a:p>
             <a:r>
               <a:rPr lang="de-CH" dirty="0"/>
-              <a:t>Arbeitsablauf</a:t>
-            </a:r>
-          </a:p>
-        </p:txBody>
-      </p:sp>
-      <p:pic>
-        <p:nvPicPr>
-          <p:cNvPr id="4" name="Inhaltsplatzhalter 3">
+              <a:t>Technologien</a:t>
+            </a:r>
+          </a:p>
+        </p:txBody>
+      </p:sp>
+      <p:sp>
+        <p:nvSpPr>
+          <p:cNvPr id="3" name="Inhaltsplatzhalter 2">
             <a:extLst>
               <a:ext uri="{FF2B5EF4-FFF2-40B4-BE49-F238E27FC236}">
-                <a16:creationId xmlns:a16="http://schemas.microsoft.com/office/drawing/2014/main" id="{CA87F495-CADF-4262-8C5B-B4B38C9A5C87}"/>
+                <a16:creationId xmlns:a16="http://schemas.microsoft.com/office/drawing/2014/main" id="{96FAC54D-EA1F-46D7-B9B7-DECABBBAE73E}"/>
               </a:ext>
             </a:extLst>
           </p:cNvPr>
-          <p:cNvPicPr>
-            <a:picLocks noGrp="1" noChangeAspect="1"/>
-          </p:cNvPicPr>
+          <p:cNvSpPr>
+            <a:spLocks noGrp="1"/>
+          </p:cNvSpPr>
           <p:nvPr>
             <p:ph idx="1"/>
           </p:nvPr>
-        </p:nvPicPr>
-        <p:blipFill>
-          <a:blip r:embed="rId2"/>
-          <a:stretch>
-            <a:fillRect/>
-          </a:stretch>
-        </p:blipFill>
-        <p:spPr>
-          <a:xfrm>
-            <a:off x="3461038" y="2557463"/>
-            <a:ext cx="5269924" cy="3317875"/>
-          </a:xfrm>
-          <a:prstGeom prst="rect">
-            <a:avLst/>
-          </a:prstGeom>
-        </p:spPr>
-      </p:pic>
+        </p:nvSpPr>
+        <p:spPr/>
+        <p:txBody>
+          <a:bodyPr>
+            <a:normAutofit fontScale="70000" lnSpcReduction="20000"/>
+          </a:bodyPr>
+          <a:lstStyle/>
+          <a:p>
+            <a:r>
+              <a:rPr lang="de-CH" dirty="0"/>
+              <a:t>Projektmanagement</a:t>
+            </a:r>
+          </a:p>
+          <a:p>
+            <a:pPr lvl="1"/>
+            <a:r>
+              <a:rPr lang="de-CH"/>
+              <a:t>Github</a:t>
+            </a:r>
+            <a:endParaRPr lang="de-CH" dirty="0"/>
+          </a:p>
+          <a:p>
+            <a:r>
+              <a:rPr lang="de-CH" dirty="0"/>
+              <a:t>Programmiersprachen</a:t>
+            </a:r>
+          </a:p>
+          <a:p>
+            <a:pPr lvl="1"/>
+            <a:r>
+              <a:rPr lang="de-CH" dirty="0"/>
+              <a:t>JavaScript</a:t>
+            </a:r>
+          </a:p>
+          <a:p>
+            <a:pPr lvl="1"/>
+            <a:r>
+              <a:rPr lang="de-CH" dirty="0"/>
+              <a:t>PHP</a:t>
+            </a:r>
+          </a:p>
+          <a:p>
+            <a:r>
+              <a:rPr lang="de-CH" dirty="0"/>
+              <a:t>Frameworks &amp; </a:t>
+            </a:r>
+            <a:r>
+              <a:rPr lang="de-CH" dirty="0" err="1"/>
+              <a:t>libraries</a:t>
+            </a:r>
+            <a:endParaRPr lang="de-CH" dirty="0"/>
+          </a:p>
+          <a:p>
+            <a:pPr lvl="1"/>
+            <a:r>
+              <a:rPr lang="de-CH" dirty="0" err="1"/>
+              <a:t>Jquery</a:t>
+            </a:r>
+            <a:endParaRPr lang="de-CH" dirty="0"/>
+          </a:p>
+          <a:p>
+            <a:pPr lvl="1"/>
+            <a:r>
+              <a:rPr lang="de-CH" dirty="0"/>
+              <a:t>Bootstrap</a:t>
+            </a:r>
+          </a:p>
+          <a:p>
+            <a:r>
+              <a:rPr lang="de-CH" dirty="0"/>
+              <a:t>Datenbank</a:t>
+            </a:r>
+          </a:p>
+          <a:p>
+            <a:pPr lvl="1"/>
+            <a:r>
+              <a:rPr lang="de-CH" dirty="0"/>
+              <a:t>MySQL</a:t>
+            </a:r>
+          </a:p>
+        </p:txBody>
+      </p:sp>
     </p:spTree>
     <p:extLst>
       <p:ext uri="{BB962C8B-B14F-4D97-AF65-F5344CB8AC3E}">
-        <p14:creationId xmlns:p14="http://schemas.microsoft.com/office/powerpoint/2010/main" val="782856305"/>
+        <p14:creationId xmlns:p14="http://schemas.microsoft.com/office/powerpoint/2010/main" val="3243503672"/>
       </p:ext>
     </p:extLst>
   </p:cSld>
@@ -6601,7 +7198,7 @@
           <p:cNvPr id="2" name="Titel 1">
             <a:extLst>
               <a:ext uri="{FF2B5EF4-FFF2-40B4-BE49-F238E27FC236}">
-                <a16:creationId xmlns:a16="http://schemas.microsoft.com/office/drawing/2014/main" id="{9BFA9797-CF89-41A5-925A-BDA8D4B41CD3}"/>
+                <a16:creationId xmlns:a16="http://schemas.microsoft.com/office/drawing/2014/main" id="{40BD49F6-C731-4C70-B27E-A7DC19B00C29}"/>
               </a:ext>
             </a:extLst>
           </p:cNvPr>
@@ -6614,54 +7211,54 @@
         </p:nvSpPr>
         <p:spPr/>
         <p:txBody>
-          <a:bodyPr>
-            <a:normAutofit/>
-          </a:bodyPr>
+          <a:bodyPr/>
           <a:lstStyle/>
           <a:p>
             <a:r>
               <a:rPr lang="de-CH" dirty="0"/>
-              <a:t>Das Produkt</a:t>
-            </a:r>
-          </a:p>
-        </p:txBody>
-      </p:sp>
-      <p:pic>
-        <p:nvPicPr>
-          <p:cNvPr id="4" name="Inhaltsplatzhalter 3">
+              <a:t>Warum diese Technologien?</a:t>
+            </a:r>
+          </a:p>
+        </p:txBody>
+      </p:sp>
+      <p:sp>
+        <p:nvSpPr>
+          <p:cNvPr id="3" name="Inhaltsplatzhalter 2">
             <a:extLst>
               <a:ext uri="{FF2B5EF4-FFF2-40B4-BE49-F238E27FC236}">
-                <a16:creationId xmlns:a16="http://schemas.microsoft.com/office/drawing/2014/main" id="{7F62DB41-E251-40E0-8A74-B2773BD6E977}"/>
+                <a16:creationId xmlns:a16="http://schemas.microsoft.com/office/drawing/2014/main" id="{6B6E2701-C603-4FDF-AE48-D0E30B28AB36}"/>
               </a:ext>
             </a:extLst>
           </p:cNvPr>
-          <p:cNvPicPr>
-            <a:picLocks noGrp="1" noChangeAspect="1"/>
-          </p:cNvPicPr>
+          <p:cNvSpPr>
+            <a:spLocks noGrp="1"/>
+          </p:cNvSpPr>
           <p:nvPr>
             <p:ph idx="1"/>
           </p:nvPr>
-        </p:nvPicPr>
-        <p:blipFill>
-          <a:blip r:embed="rId2"/>
-          <a:stretch>
-            <a:fillRect/>
-          </a:stretch>
-        </p:blipFill>
-        <p:spPr>
-          <a:xfrm>
-            <a:off x="2951624" y="2557463"/>
-            <a:ext cx="6288751" cy="3317875"/>
-          </a:xfrm>
-          <a:prstGeom prst="rect">
-            <a:avLst/>
-          </a:prstGeom>
-        </p:spPr>
-      </p:pic>
+        </p:nvSpPr>
+        <p:spPr/>
+        <p:txBody>
+          <a:bodyPr/>
+          <a:lstStyle/>
+          <a:p>
+            <a:r>
+              <a:rPr lang="de-CH" dirty="0"/>
+              <a:t>Auf den meisten Hosting Server verfügbar.</a:t>
+            </a:r>
+          </a:p>
+          <a:p>
+            <a:r>
+              <a:rPr lang="de-CH" dirty="0"/>
+              <a:t>Grosse Community = viele Ressourcen.</a:t>
+            </a:r>
+          </a:p>
+        </p:txBody>
+      </p:sp>
     </p:spTree>
     <p:extLst>
       <p:ext uri="{BB962C8B-B14F-4D97-AF65-F5344CB8AC3E}">
-        <p14:creationId xmlns:p14="http://schemas.microsoft.com/office/powerpoint/2010/main" val="2877821587"/>
+        <p14:creationId xmlns:p14="http://schemas.microsoft.com/office/powerpoint/2010/main" val="4163772452"/>
       </p:ext>
     </p:extLst>
   </p:cSld>
@@ -6693,7 +7290,7 @@
           <p:cNvPr id="2" name="Titel 1">
             <a:extLst>
               <a:ext uri="{FF2B5EF4-FFF2-40B4-BE49-F238E27FC236}">
-                <a16:creationId xmlns:a16="http://schemas.microsoft.com/office/drawing/2014/main" id="{9080B0E5-06F1-4111-818F-25C7B0FF7233}"/>
+                <a16:creationId xmlns:a16="http://schemas.microsoft.com/office/drawing/2014/main" id="{781248BB-A0CB-4900-A42E-66B0B33A7E43}"/>
               </a:ext>
             </a:extLst>
           </p:cNvPr>
@@ -6711,7 +7308,7 @@
           <a:p>
             <a:r>
               <a:rPr lang="de-CH" dirty="0"/>
-              <a:t>Das Produkt</a:t>
+              <a:t>Projektmanagement</a:t>
             </a:r>
           </a:p>
         </p:txBody>
@@ -6721,7 +7318,7 @@
           <p:cNvPr id="4" name="Inhaltsplatzhalter 3">
             <a:extLst>
               <a:ext uri="{FF2B5EF4-FFF2-40B4-BE49-F238E27FC236}">
-                <a16:creationId xmlns:a16="http://schemas.microsoft.com/office/drawing/2014/main" id="{53744A8E-04FA-4EFF-821F-53FC2843D960}"/>
+                <a16:creationId xmlns:a16="http://schemas.microsoft.com/office/drawing/2014/main" id="{24274221-D424-43CB-BA45-3252DD79C88B}"/>
               </a:ext>
             </a:extLst>
           </p:cNvPr>
@@ -6740,8 +7337,8 @@
         </p:blipFill>
         <p:spPr>
           <a:xfrm>
-            <a:off x="3107189" y="2557463"/>
-            <a:ext cx="5977621" cy="3317875"/>
+            <a:off x="3176091" y="2557463"/>
+            <a:ext cx="5839817" cy="3317875"/>
           </a:xfrm>
           <a:prstGeom prst="rect">
             <a:avLst/>
@@ -6751,7 +7348,7 @@
     </p:spTree>
     <p:extLst>
       <p:ext uri="{BB962C8B-B14F-4D97-AF65-F5344CB8AC3E}">
-        <p14:creationId xmlns:p14="http://schemas.microsoft.com/office/powerpoint/2010/main" val="1470209193"/>
+        <p14:creationId xmlns:p14="http://schemas.microsoft.com/office/powerpoint/2010/main" val="410155467"/>
       </p:ext>
     </p:extLst>
   </p:cSld>

--- a/docs/M306-AP15a-Peters-Pra-171030-Projekt Präsentation.pptx
+++ b/docs/M306-AP15a-Peters-Pra-171030-Projekt Präsentation.pptx
@@ -10,15 +10,16 @@
     <p:sldId id="257" r:id="rId4"/>
     <p:sldId id="260" r:id="rId5"/>
     <p:sldId id="265" r:id="rId6"/>
-    <p:sldId id="267" r:id="rId7"/>
-    <p:sldId id="259" r:id="rId8"/>
-    <p:sldId id="266" r:id="rId9"/>
-    <p:sldId id="264" r:id="rId10"/>
-    <p:sldId id="269" r:id="rId11"/>
-    <p:sldId id="258" r:id="rId12"/>
-    <p:sldId id="261" r:id="rId13"/>
-    <p:sldId id="262" r:id="rId14"/>
-    <p:sldId id="268" r:id="rId15"/>
+    <p:sldId id="270" r:id="rId7"/>
+    <p:sldId id="267" r:id="rId8"/>
+    <p:sldId id="259" r:id="rId9"/>
+    <p:sldId id="266" r:id="rId10"/>
+    <p:sldId id="264" r:id="rId11"/>
+    <p:sldId id="269" r:id="rId12"/>
+    <p:sldId id="258" r:id="rId13"/>
+    <p:sldId id="261" r:id="rId14"/>
+    <p:sldId id="262" r:id="rId15"/>
+    <p:sldId id="268" r:id="rId16"/>
   </p:sldIdLst>
   <p:sldSz cx="12192000" cy="6858000"/>
   <p:notesSz cx="6858000" cy="9144000"/>
@@ -5923,6 +5924,96 @@
           <p:cNvPr id="2" name="Titel 1">
             <a:extLst>
               <a:ext uri="{FF2B5EF4-FFF2-40B4-BE49-F238E27FC236}">
+                <a16:creationId xmlns:a16="http://schemas.microsoft.com/office/drawing/2014/main" id="{781248BB-A0CB-4900-A42E-66B0B33A7E43}"/>
+              </a:ext>
+            </a:extLst>
+          </p:cNvPr>
+          <p:cNvSpPr>
+            <a:spLocks noGrp="1"/>
+          </p:cNvSpPr>
+          <p:nvPr>
+            <p:ph type="title"/>
+          </p:nvPr>
+        </p:nvSpPr>
+        <p:spPr/>
+        <p:txBody>
+          <a:bodyPr/>
+          <a:lstStyle/>
+          <a:p>
+            <a:r>
+              <a:rPr lang="de-CH" dirty="0"/>
+              <a:t>Projektmanagement</a:t>
+            </a:r>
+          </a:p>
+        </p:txBody>
+      </p:sp>
+      <p:pic>
+        <p:nvPicPr>
+          <p:cNvPr id="4" name="Inhaltsplatzhalter 3">
+            <a:extLst>
+              <a:ext uri="{FF2B5EF4-FFF2-40B4-BE49-F238E27FC236}">
+                <a16:creationId xmlns:a16="http://schemas.microsoft.com/office/drawing/2014/main" id="{24274221-D424-43CB-BA45-3252DD79C88B}"/>
+              </a:ext>
+            </a:extLst>
+          </p:cNvPr>
+          <p:cNvPicPr>
+            <a:picLocks noGrp="1" noChangeAspect="1"/>
+          </p:cNvPicPr>
+          <p:nvPr>
+            <p:ph idx="1"/>
+          </p:nvPr>
+        </p:nvPicPr>
+        <p:blipFill>
+          <a:blip r:embed="rId2"/>
+          <a:stretch>
+            <a:fillRect/>
+          </a:stretch>
+        </p:blipFill>
+        <p:spPr>
+          <a:xfrm>
+            <a:off x="3176091" y="2557463"/>
+            <a:ext cx="5839817" cy="3317875"/>
+          </a:xfrm>
+          <a:prstGeom prst="rect">
+            <a:avLst/>
+          </a:prstGeom>
+        </p:spPr>
+      </p:pic>
+    </p:spTree>
+    <p:extLst>
+      <p:ext uri="{BB962C8B-B14F-4D97-AF65-F5344CB8AC3E}">
+        <p14:creationId xmlns:p14="http://schemas.microsoft.com/office/powerpoint/2010/main" val="410155467"/>
+      </p:ext>
+    </p:extLst>
+  </p:cSld>
+  <p:clrMapOvr>
+    <a:masterClrMapping/>
+  </p:clrMapOvr>
+</p:sld>
+</file>
+
+<file path=ppt/slides/slide11.xml><?xml version="1.0" encoding="utf-8"?>
+<p:sld xmlns:a="http://schemas.openxmlformats.org/drawingml/2006/main" xmlns:r="http://schemas.openxmlformats.org/officeDocument/2006/relationships" xmlns:p="http://schemas.openxmlformats.org/presentationml/2006/main">
+  <p:cSld>
+    <p:spTree>
+      <p:nvGrpSpPr>
+        <p:cNvPr id="1" name=""/>
+        <p:cNvGrpSpPr/>
+        <p:nvPr/>
+      </p:nvGrpSpPr>
+      <p:grpSpPr>
+        <a:xfrm>
+          <a:off x="0" y="0"/>
+          <a:ext cx="0" cy="0"/>
+          <a:chOff x="0" y="0"/>
+          <a:chExt cx="0" cy="0"/>
+        </a:xfrm>
+      </p:grpSpPr>
+      <p:sp>
+        <p:nvSpPr>
+          <p:cNvPr id="2" name="Titel 1">
+            <a:extLst>
+              <a:ext uri="{FF2B5EF4-FFF2-40B4-BE49-F238E27FC236}">
                 <a16:creationId xmlns:a16="http://schemas.microsoft.com/office/drawing/2014/main" id="{5DC54B13-C7A3-4842-9017-8698BCD9BFAA}"/>
               </a:ext>
             </a:extLst>
@@ -6015,7 +6106,7 @@
 </p:sld>
 </file>
 
-<file path=ppt/slides/slide11.xml><?xml version="1.0" encoding="utf-8"?>
+<file path=ppt/slides/slide12.xml><?xml version="1.0" encoding="utf-8"?>
 <p:sld xmlns:a="http://schemas.openxmlformats.org/drawingml/2006/main" xmlns:r="http://schemas.openxmlformats.org/officeDocument/2006/relationships" xmlns:p="http://schemas.openxmlformats.org/presentationml/2006/main">
   <p:cSld>
     <p:spTree>
@@ -6105,7 +6196,7 @@
 </p:sld>
 </file>
 
-<file path=ppt/slides/slide12.xml><?xml version="1.0" encoding="utf-8"?>
+<file path=ppt/slides/slide13.xml><?xml version="1.0" encoding="utf-8"?>
 <p:sld xmlns:a="http://schemas.openxmlformats.org/drawingml/2006/main" xmlns:r="http://schemas.openxmlformats.org/officeDocument/2006/relationships" xmlns:p="http://schemas.openxmlformats.org/presentationml/2006/main">
   <p:cSld>
     <p:spTree>
@@ -6197,7 +6288,7 @@
 </p:sld>
 </file>
 
-<file path=ppt/slides/slide13.xml><?xml version="1.0" encoding="utf-8"?>
+<file path=ppt/slides/slide14.xml><?xml version="1.0" encoding="utf-8"?>
 <p:sld xmlns:a="http://schemas.openxmlformats.org/drawingml/2006/main" xmlns:r="http://schemas.openxmlformats.org/officeDocument/2006/relationships" xmlns:p="http://schemas.openxmlformats.org/presentationml/2006/main">
   <p:cSld>
     <p:spTree>
@@ -6287,7 +6378,7 @@
 </p:sld>
 </file>
 
-<file path=ppt/slides/slide14.xml><?xml version="1.0" encoding="utf-8"?>
+<file path=ppt/slides/slide15.xml><?xml version="1.0" encoding="utf-8"?>
 <p:sld xmlns:a="http://schemas.openxmlformats.org/drawingml/2006/main" xmlns:r="http://schemas.openxmlformats.org/officeDocument/2006/relationships" xmlns:p="http://schemas.openxmlformats.org/presentationml/2006/main">
   <p:cSld>
     <p:spTree>
@@ -6468,7 +6559,7 @@
         <p:spPr/>
         <p:txBody>
           <a:bodyPr>
-            <a:normAutofit fontScale="92500" lnSpcReduction="10000"/>
+            <a:normAutofit fontScale="70000" lnSpcReduction="20000"/>
           </a:bodyPr>
           <a:lstStyle/>
           <a:p>
@@ -6492,6 +6583,17 @@
           <a:p>
             <a:r>
               <a:rPr lang="de-CH" dirty="0"/>
+              <a:t>Stärken </a:t>
+            </a:r>
+            <a:r>
+              <a:rPr lang="de-CH"/>
+              <a:t>und Schwächen</a:t>
+            </a:r>
+            <a:endParaRPr lang="de-CH" dirty="0"/>
+          </a:p>
+          <a:p>
+            <a:r>
+              <a:rPr lang="de-CH" dirty="0"/>
               <a:t>Aufgetretene Schwierigkeiten</a:t>
             </a:r>
           </a:p>
@@ -6511,6 +6613,12 @@
             <a:r>
               <a:rPr lang="de-CH" dirty="0"/>
               <a:t>Das Produkt</a:t>
+            </a:r>
+          </a:p>
+          <a:p>
+            <a:r>
+              <a:rPr lang="de-CH" dirty="0"/>
+              <a:t>Fazit</a:t>
             </a:r>
           </a:p>
           <a:p>
@@ -6842,23 +6950,6 @@
               <a:t>Grosse Konkurrenz</a:t>
             </a:r>
           </a:p>
-          <a:p>
-            <a:r>
-              <a:rPr lang="de-CH" dirty="0"/>
-              <a:t>Fehlendes </a:t>
-            </a:r>
-            <a:r>
-              <a:rPr lang="de-CH" dirty="0" err="1"/>
-              <a:t>KnowHow</a:t>
-            </a:r>
-            <a:endParaRPr lang="de-CH" dirty="0"/>
-          </a:p>
-          <a:p>
-            <a:r>
-              <a:rPr lang="de-CH" dirty="0"/>
-              <a:t>Mangelhafte Kommunikation</a:t>
-            </a:r>
-          </a:p>
         </p:txBody>
       </p:sp>
     </p:spTree>
@@ -6896,6 +6987,131 @@
           <p:cNvPr id="2" name="Titel 1">
             <a:extLst>
               <a:ext uri="{FF2B5EF4-FFF2-40B4-BE49-F238E27FC236}">
+                <a16:creationId xmlns:a16="http://schemas.microsoft.com/office/drawing/2014/main" id="{CD371783-9BEA-4F9B-B263-95E7C017CE03}"/>
+              </a:ext>
+            </a:extLst>
+          </p:cNvPr>
+          <p:cNvSpPr>
+            <a:spLocks noGrp="1"/>
+          </p:cNvSpPr>
+          <p:nvPr>
+            <p:ph type="title"/>
+          </p:nvPr>
+        </p:nvSpPr>
+        <p:spPr/>
+        <p:txBody>
+          <a:bodyPr/>
+          <a:lstStyle/>
+          <a:p>
+            <a:r>
+              <a:rPr lang="de-CH" dirty="0"/>
+              <a:t>Stärken und Schwächen</a:t>
+            </a:r>
+          </a:p>
+        </p:txBody>
+      </p:sp>
+      <p:sp>
+        <p:nvSpPr>
+          <p:cNvPr id="3" name="Inhaltsplatzhalter 2">
+            <a:extLst>
+              <a:ext uri="{FF2B5EF4-FFF2-40B4-BE49-F238E27FC236}">
+                <a16:creationId xmlns:a16="http://schemas.microsoft.com/office/drawing/2014/main" id="{3C13A487-61FB-432B-846A-F7B706F2E683}"/>
+              </a:ext>
+            </a:extLst>
+          </p:cNvPr>
+          <p:cNvSpPr>
+            <a:spLocks noGrp="1"/>
+          </p:cNvSpPr>
+          <p:nvPr>
+            <p:ph idx="1"/>
+          </p:nvPr>
+        </p:nvSpPr>
+        <p:spPr/>
+        <p:txBody>
+          <a:bodyPr/>
+          <a:lstStyle/>
+          <a:p>
+            <a:r>
+              <a:rPr lang="de-CH" dirty="0"/>
+              <a:t>Schwächen</a:t>
+            </a:r>
+          </a:p>
+          <a:p>
+            <a:pPr lvl="1"/>
+            <a:r>
+              <a:rPr lang="de-CH" dirty="0"/>
+              <a:t>Fehlendes </a:t>
+            </a:r>
+            <a:r>
+              <a:rPr lang="de-CH" dirty="0" err="1"/>
+              <a:t>KnowHow</a:t>
+            </a:r>
+            <a:endParaRPr lang="de-CH" dirty="0"/>
+          </a:p>
+          <a:p>
+            <a:pPr lvl="1"/>
+            <a:r>
+              <a:rPr lang="de-CH" dirty="0"/>
+              <a:t>Mangelhafte Kommunikation</a:t>
+            </a:r>
+          </a:p>
+          <a:p>
+            <a:r>
+              <a:rPr lang="de-CH" dirty="0"/>
+              <a:t>Stärken</a:t>
+            </a:r>
+          </a:p>
+          <a:p>
+            <a:pPr lvl="1"/>
+            <a:r>
+              <a:rPr lang="de-CH" dirty="0"/>
+              <a:t>Agiles Team</a:t>
+            </a:r>
+          </a:p>
+          <a:p>
+            <a:pPr lvl="1"/>
+            <a:endParaRPr lang="de-CH" dirty="0"/>
+          </a:p>
+          <a:p>
+            <a:endParaRPr lang="de-CH" dirty="0"/>
+          </a:p>
+        </p:txBody>
+      </p:sp>
+    </p:spTree>
+    <p:extLst>
+      <p:ext uri="{BB962C8B-B14F-4D97-AF65-F5344CB8AC3E}">
+        <p14:creationId xmlns:p14="http://schemas.microsoft.com/office/powerpoint/2010/main" val="3094682157"/>
+      </p:ext>
+    </p:extLst>
+  </p:cSld>
+  <p:clrMapOvr>
+    <a:masterClrMapping/>
+  </p:clrMapOvr>
+</p:sld>
+</file>
+
+<file path=ppt/slides/slide7.xml><?xml version="1.0" encoding="utf-8"?>
+<p:sld xmlns:a="http://schemas.openxmlformats.org/drawingml/2006/main" xmlns:r="http://schemas.openxmlformats.org/officeDocument/2006/relationships" xmlns:p="http://schemas.openxmlformats.org/presentationml/2006/main">
+  <p:cSld>
+    <p:spTree>
+      <p:nvGrpSpPr>
+        <p:cNvPr id="1" name=""/>
+        <p:cNvGrpSpPr/>
+        <p:nvPr/>
+      </p:nvGrpSpPr>
+      <p:grpSpPr>
+        <a:xfrm>
+          <a:off x="0" y="0"/>
+          <a:ext cx="0" cy="0"/>
+          <a:chOff x="0" y="0"/>
+          <a:chExt cx="0" cy="0"/>
+        </a:xfrm>
+      </p:grpSpPr>
+      <p:sp>
+        <p:nvSpPr>
+          <p:cNvPr id="2" name="Titel 1">
+            <a:extLst>
+              <a:ext uri="{FF2B5EF4-FFF2-40B4-BE49-F238E27FC236}">
                 <a16:creationId xmlns:a16="http://schemas.microsoft.com/office/drawing/2014/main" id="{2A5542FE-165D-4931-A12A-28D72F131678}"/>
               </a:ext>
             </a:extLst>
@@ -6953,7 +7169,13 @@
           <a:p>
             <a:r>
               <a:rPr lang="de-CH" dirty="0"/>
-              <a:t>Ziele nicht ganz Realistisch = </a:t>
+              <a:t>Ziele nicht ganz Realistisch = Zeitdruck</a:t>
+            </a:r>
+          </a:p>
+          <a:p>
+            <a:r>
+              <a:rPr lang="de-CH" dirty="0"/>
+              <a:t>Ungenaue Risikomatrix = Risiken wurden nicht rechtzeitig erkannt</a:t>
             </a:r>
           </a:p>
           <a:p>
@@ -7021,161 +7243,6 @@
 </p:sld>
 </file>
 
-<file path=ppt/slides/slide7.xml><?xml version="1.0" encoding="utf-8"?>
-<p:sld xmlns:a="http://schemas.openxmlformats.org/drawingml/2006/main" xmlns:r="http://schemas.openxmlformats.org/officeDocument/2006/relationships" xmlns:p="http://schemas.openxmlformats.org/presentationml/2006/main">
-  <p:cSld>
-    <p:spTree>
-      <p:nvGrpSpPr>
-        <p:cNvPr id="1" name=""/>
-        <p:cNvGrpSpPr/>
-        <p:nvPr/>
-      </p:nvGrpSpPr>
-      <p:grpSpPr>
-        <a:xfrm>
-          <a:off x="0" y="0"/>
-          <a:ext cx="0" cy="0"/>
-          <a:chOff x="0" y="0"/>
-          <a:chExt cx="0" cy="0"/>
-        </a:xfrm>
-      </p:grpSpPr>
-      <p:sp>
-        <p:nvSpPr>
-          <p:cNvPr id="2" name="Titel 1">
-            <a:extLst>
-              <a:ext uri="{FF2B5EF4-FFF2-40B4-BE49-F238E27FC236}">
-                <a16:creationId xmlns:a16="http://schemas.microsoft.com/office/drawing/2014/main" id="{EBFCFBAB-688F-49B1-9F1D-8478F193AD7E}"/>
-              </a:ext>
-            </a:extLst>
-          </p:cNvPr>
-          <p:cNvSpPr>
-            <a:spLocks noGrp="1"/>
-          </p:cNvSpPr>
-          <p:nvPr>
-            <p:ph type="title"/>
-          </p:nvPr>
-        </p:nvSpPr>
-        <p:spPr/>
-        <p:txBody>
-          <a:bodyPr/>
-          <a:lstStyle/>
-          <a:p>
-            <a:r>
-              <a:rPr lang="de-CH" dirty="0"/>
-              <a:t>Technologien</a:t>
-            </a:r>
-          </a:p>
-        </p:txBody>
-      </p:sp>
-      <p:sp>
-        <p:nvSpPr>
-          <p:cNvPr id="3" name="Inhaltsplatzhalter 2">
-            <a:extLst>
-              <a:ext uri="{FF2B5EF4-FFF2-40B4-BE49-F238E27FC236}">
-                <a16:creationId xmlns:a16="http://schemas.microsoft.com/office/drawing/2014/main" id="{96FAC54D-EA1F-46D7-B9B7-DECABBBAE73E}"/>
-              </a:ext>
-            </a:extLst>
-          </p:cNvPr>
-          <p:cNvSpPr>
-            <a:spLocks noGrp="1"/>
-          </p:cNvSpPr>
-          <p:nvPr>
-            <p:ph idx="1"/>
-          </p:nvPr>
-        </p:nvSpPr>
-        <p:spPr/>
-        <p:txBody>
-          <a:bodyPr>
-            <a:normAutofit fontScale="70000" lnSpcReduction="20000"/>
-          </a:bodyPr>
-          <a:lstStyle/>
-          <a:p>
-            <a:r>
-              <a:rPr lang="de-CH" dirty="0"/>
-              <a:t>Projektmanagement</a:t>
-            </a:r>
-          </a:p>
-          <a:p>
-            <a:pPr lvl="1"/>
-            <a:r>
-              <a:rPr lang="de-CH"/>
-              <a:t>Github</a:t>
-            </a:r>
-            <a:endParaRPr lang="de-CH" dirty="0"/>
-          </a:p>
-          <a:p>
-            <a:r>
-              <a:rPr lang="de-CH" dirty="0"/>
-              <a:t>Programmiersprachen</a:t>
-            </a:r>
-          </a:p>
-          <a:p>
-            <a:pPr lvl="1"/>
-            <a:r>
-              <a:rPr lang="de-CH" dirty="0"/>
-              <a:t>JavaScript</a:t>
-            </a:r>
-          </a:p>
-          <a:p>
-            <a:pPr lvl="1"/>
-            <a:r>
-              <a:rPr lang="de-CH" dirty="0"/>
-              <a:t>PHP</a:t>
-            </a:r>
-          </a:p>
-          <a:p>
-            <a:r>
-              <a:rPr lang="de-CH" dirty="0"/>
-              <a:t>Frameworks &amp; </a:t>
-            </a:r>
-            <a:r>
-              <a:rPr lang="de-CH" dirty="0" err="1"/>
-              <a:t>libraries</a:t>
-            </a:r>
-            <a:endParaRPr lang="de-CH" dirty="0"/>
-          </a:p>
-          <a:p>
-            <a:pPr lvl="1"/>
-            <a:r>
-              <a:rPr lang="de-CH" dirty="0" err="1"/>
-              <a:t>Jquery</a:t>
-            </a:r>
-            <a:endParaRPr lang="de-CH" dirty="0"/>
-          </a:p>
-          <a:p>
-            <a:pPr lvl="1"/>
-            <a:r>
-              <a:rPr lang="de-CH" dirty="0"/>
-              <a:t>Bootstrap</a:t>
-            </a:r>
-          </a:p>
-          <a:p>
-            <a:r>
-              <a:rPr lang="de-CH" dirty="0"/>
-              <a:t>Datenbank</a:t>
-            </a:r>
-          </a:p>
-          <a:p>
-            <a:pPr lvl="1"/>
-            <a:r>
-              <a:rPr lang="de-CH" dirty="0"/>
-              <a:t>MySQL</a:t>
-            </a:r>
-          </a:p>
-        </p:txBody>
-      </p:sp>
-    </p:spTree>
-    <p:extLst>
-      <p:ext uri="{BB962C8B-B14F-4D97-AF65-F5344CB8AC3E}">
-        <p14:creationId xmlns:p14="http://schemas.microsoft.com/office/powerpoint/2010/main" val="3243503672"/>
-      </p:ext>
-    </p:extLst>
-  </p:cSld>
-  <p:clrMapOvr>
-    <a:masterClrMapping/>
-  </p:clrMapOvr>
-</p:sld>
-</file>
-
 <file path=ppt/slides/slide8.xml><?xml version="1.0" encoding="utf-8"?>
 <p:sld xmlns:a="http://schemas.openxmlformats.org/drawingml/2006/main" xmlns:r="http://schemas.openxmlformats.org/officeDocument/2006/relationships" xmlns:p="http://schemas.openxmlformats.org/presentationml/2006/main">
   <p:cSld>
@@ -7198,7 +7265,7 @@
           <p:cNvPr id="2" name="Titel 1">
             <a:extLst>
               <a:ext uri="{FF2B5EF4-FFF2-40B4-BE49-F238E27FC236}">
-                <a16:creationId xmlns:a16="http://schemas.microsoft.com/office/drawing/2014/main" id="{40BD49F6-C731-4C70-B27E-A7DC19B00C29}"/>
+                <a16:creationId xmlns:a16="http://schemas.microsoft.com/office/drawing/2014/main" id="{EBFCFBAB-688F-49B1-9F1D-8478F193AD7E}"/>
               </a:ext>
             </a:extLst>
           </p:cNvPr>
@@ -7216,7 +7283,7 @@
           <a:p>
             <a:r>
               <a:rPr lang="de-CH" dirty="0"/>
-              <a:t>Warum diese Technologien?</a:t>
+              <a:t>Technologien</a:t>
             </a:r>
           </a:p>
         </p:txBody>
@@ -7226,7 +7293,7 @@
           <p:cNvPr id="3" name="Inhaltsplatzhalter 2">
             <a:extLst>
               <a:ext uri="{FF2B5EF4-FFF2-40B4-BE49-F238E27FC236}">
-                <a16:creationId xmlns:a16="http://schemas.microsoft.com/office/drawing/2014/main" id="{6B6E2701-C603-4FDF-AE48-D0E30B28AB36}"/>
+                <a16:creationId xmlns:a16="http://schemas.microsoft.com/office/drawing/2014/main" id="{96FAC54D-EA1F-46D7-B9B7-DECABBBAE73E}"/>
               </a:ext>
             </a:extLst>
           </p:cNvPr>
@@ -7239,18 +7306,81 @@
         </p:nvSpPr>
         <p:spPr/>
         <p:txBody>
-          <a:bodyPr/>
+          <a:bodyPr>
+            <a:normAutofit fontScale="70000" lnSpcReduction="20000"/>
+          </a:bodyPr>
           <a:lstStyle/>
           <a:p>
             <a:r>
               <a:rPr lang="de-CH" dirty="0"/>
-              <a:t>Auf den meisten Hosting Server verfügbar.</a:t>
-            </a:r>
+              <a:t>Projektmanagement</a:t>
+            </a:r>
+          </a:p>
+          <a:p>
+            <a:pPr lvl="1"/>
+            <a:r>
+              <a:rPr lang="de-CH"/>
+              <a:t>Github</a:t>
+            </a:r>
+            <a:endParaRPr lang="de-CH" dirty="0"/>
           </a:p>
           <a:p>
             <a:r>
               <a:rPr lang="de-CH" dirty="0"/>
-              <a:t>Grosse Community = viele Ressourcen.</a:t>
+              <a:t>Programmiersprachen</a:t>
+            </a:r>
+          </a:p>
+          <a:p>
+            <a:pPr lvl="1"/>
+            <a:r>
+              <a:rPr lang="de-CH" dirty="0"/>
+              <a:t>JavaScript</a:t>
+            </a:r>
+          </a:p>
+          <a:p>
+            <a:pPr lvl="1"/>
+            <a:r>
+              <a:rPr lang="de-CH" dirty="0"/>
+              <a:t>PHP</a:t>
+            </a:r>
+          </a:p>
+          <a:p>
+            <a:r>
+              <a:rPr lang="de-CH" dirty="0"/>
+              <a:t>Frameworks &amp; </a:t>
+            </a:r>
+            <a:r>
+              <a:rPr lang="de-CH" dirty="0" err="1"/>
+              <a:t>libraries</a:t>
+            </a:r>
+            <a:endParaRPr lang="de-CH" dirty="0"/>
+          </a:p>
+          <a:p>
+            <a:pPr lvl="1"/>
+            <a:r>
+              <a:rPr lang="de-CH" dirty="0" err="1"/>
+              <a:t>Jquery</a:t>
+            </a:r>
+            <a:endParaRPr lang="de-CH" dirty="0"/>
+          </a:p>
+          <a:p>
+            <a:pPr lvl="1"/>
+            <a:r>
+              <a:rPr lang="de-CH" dirty="0"/>
+              <a:t>Bootstrap</a:t>
+            </a:r>
+          </a:p>
+          <a:p>
+            <a:r>
+              <a:rPr lang="de-CH" dirty="0"/>
+              <a:t>Datenbank</a:t>
+            </a:r>
+          </a:p>
+          <a:p>
+            <a:pPr lvl="1"/>
+            <a:r>
+              <a:rPr lang="de-CH" dirty="0"/>
+              <a:t>MySQL</a:t>
             </a:r>
           </a:p>
         </p:txBody>
@@ -7258,7 +7388,7 @@
     </p:spTree>
     <p:extLst>
       <p:ext uri="{BB962C8B-B14F-4D97-AF65-F5344CB8AC3E}">
-        <p14:creationId xmlns:p14="http://schemas.microsoft.com/office/powerpoint/2010/main" val="4163772452"/>
+        <p14:creationId xmlns:p14="http://schemas.microsoft.com/office/powerpoint/2010/main" val="3243503672"/>
       </p:ext>
     </p:extLst>
   </p:cSld>
@@ -7290,7 +7420,7 @@
           <p:cNvPr id="2" name="Titel 1">
             <a:extLst>
               <a:ext uri="{FF2B5EF4-FFF2-40B4-BE49-F238E27FC236}">
-                <a16:creationId xmlns:a16="http://schemas.microsoft.com/office/drawing/2014/main" id="{781248BB-A0CB-4900-A42E-66B0B33A7E43}"/>
+                <a16:creationId xmlns:a16="http://schemas.microsoft.com/office/drawing/2014/main" id="{40BD49F6-C731-4C70-B27E-A7DC19B00C29}"/>
               </a:ext>
             </a:extLst>
           </p:cNvPr>
@@ -7308,47 +7438,49 @@
           <a:p>
             <a:r>
               <a:rPr lang="de-CH" dirty="0"/>
-              <a:t>Projektmanagement</a:t>
-            </a:r>
-          </a:p>
-        </p:txBody>
-      </p:sp>
-      <p:pic>
-        <p:nvPicPr>
-          <p:cNvPr id="4" name="Inhaltsplatzhalter 3">
+              <a:t>Warum diese Technologien?</a:t>
+            </a:r>
+          </a:p>
+        </p:txBody>
+      </p:sp>
+      <p:sp>
+        <p:nvSpPr>
+          <p:cNvPr id="3" name="Inhaltsplatzhalter 2">
             <a:extLst>
               <a:ext uri="{FF2B5EF4-FFF2-40B4-BE49-F238E27FC236}">
-                <a16:creationId xmlns:a16="http://schemas.microsoft.com/office/drawing/2014/main" id="{24274221-D424-43CB-BA45-3252DD79C88B}"/>
+                <a16:creationId xmlns:a16="http://schemas.microsoft.com/office/drawing/2014/main" id="{6B6E2701-C603-4FDF-AE48-D0E30B28AB36}"/>
               </a:ext>
             </a:extLst>
           </p:cNvPr>
-          <p:cNvPicPr>
-            <a:picLocks noGrp="1" noChangeAspect="1"/>
-          </p:cNvPicPr>
+          <p:cNvSpPr>
+            <a:spLocks noGrp="1"/>
+          </p:cNvSpPr>
           <p:nvPr>
             <p:ph idx="1"/>
           </p:nvPr>
-        </p:nvPicPr>
-        <p:blipFill>
-          <a:blip r:embed="rId2"/>
-          <a:stretch>
-            <a:fillRect/>
-          </a:stretch>
-        </p:blipFill>
-        <p:spPr>
-          <a:xfrm>
-            <a:off x="3176091" y="2557463"/>
-            <a:ext cx="5839817" cy="3317875"/>
-          </a:xfrm>
-          <a:prstGeom prst="rect">
-            <a:avLst/>
-          </a:prstGeom>
-        </p:spPr>
-      </p:pic>
+        </p:nvSpPr>
+        <p:spPr/>
+        <p:txBody>
+          <a:bodyPr/>
+          <a:lstStyle/>
+          <a:p>
+            <a:r>
+              <a:rPr lang="de-CH" dirty="0"/>
+              <a:t>Auf den meisten Hosting Server verfügbar.</a:t>
+            </a:r>
+          </a:p>
+          <a:p>
+            <a:r>
+              <a:rPr lang="de-CH" dirty="0"/>
+              <a:t>Grosse Community = viele Ressourcen.</a:t>
+            </a:r>
+          </a:p>
+        </p:txBody>
+      </p:sp>
     </p:spTree>
     <p:extLst>
       <p:ext uri="{BB962C8B-B14F-4D97-AF65-F5344CB8AC3E}">
-        <p14:creationId xmlns:p14="http://schemas.microsoft.com/office/powerpoint/2010/main" val="410155467"/>
+        <p14:creationId xmlns:p14="http://schemas.microsoft.com/office/powerpoint/2010/main" val="4163772452"/>
       </p:ext>
     </p:extLst>
   </p:cSld>
